--- a/hw02.pptx
+++ b/hw02.pptx
@@ -4,8 +4,18 @@
   <p:sldMasterIdLst>
     <p:sldMasterId id="2147483648" r:id="rId1"/>
   </p:sldMasterIdLst>
+  <p:notesMasterIdLst>
+    <p:notesMasterId r:id="rId10"/>
+  </p:notesMasterIdLst>
   <p:sldIdLst>
-    <p:sldId id="256" r:id="rId2"/>
+    <p:sldId id="257" r:id="rId2"/>
+    <p:sldId id="258" r:id="rId3"/>
+    <p:sldId id="259" r:id="rId4"/>
+    <p:sldId id="260" r:id="rId5"/>
+    <p:sldId id="261" r:id="rId6"/>
+    <p:sldId id="262" r:id="rId7"/>
+    <p:sldId id="263" r:id="rId8"/>
+    <p:sldId id="264" r:id="rId9"/>
   </p:sldIdLst>
   <p:sldSz cx="12192000" cy="6858000"/>
   <p:notesSz cx="6858000" cy="9144000"/>
@@ -104,7 +114,1899 @@
       </a:defRPr>
     </a:lvl9pPr>
   </p:defaultTextStyle>
+  <p:extLst>
+    <p:ext uri="{EFAFB233-063F-42B5-8137-9DF3F51BA10A}">
+      <p15:sldGuideLst xmlns:p15="http://schemas.microsoft.com/office/powerpoint/2012/main"/>
+    </p:ext>
+  </p:extLst>
 </p:presentation>
+</file>
+
+<file path=ppt/notesMasters/notesMaster1.xml><?xml version="1.0" encoding="utf-8"?>
+<p:notesMaster xmlns:a="http://schemas.openxmlformats.org/drawingml/2006/main" xmlns:r="http://schemas.openxmlformats.org/officeDocument/2006/relationships" xmlns:p="http://schemas.openxmlformats.org/presentationml/2006/main">
+  <p:cSld>
+    <p:bg>
+      <p:bgRef idx="1001">
+        <a:schemeClr val="bg1"/>
+      </p:bgRef>
+    </p:bg>
+    <p:spTree>
+      <p:nvGrpSpPr>
+        <p:cNvPr id="1" name=""/>
+        <p:cNvGrpSpPr/>
+        <p:nvPr/>
+      </p:nvGrpSpPr>
+      <p:grpSpPr>
+        <a:xfrm>
+          <a:off x="0" y="0"/>
+          <a:ext cx="0" cy="0"/>
+          <a:chOff x="0" y="0"/>
+          <a:chExt cx="0" cy="0"/>
+        </a:xfrm>
+      </p:grpSpPr>
+      <p:sp>
+        <p:nvSpPr>
+          <p:cNvPr id="2" name="頁首版面配置區 1"/>
+          <p:cNvSpPr>
+            <a:spLocks noGrp="1"/>
+          </p:cNvSpPr>
+          <p:nvPr>
+            <p:ph type="hdr" sz="quarter"/>
+          </p:nvPr>
+        </p:nvSpPr>
+        <p:spPr>
+          <a:xfrm>
+            <a:off x="0" y="0"/>
+            <a:ext cx="2971800" cy="458788"/>
+          </a:xfrm>
+          <a:prstGeom prst="rect">
+            <a:avLst/>
+          </a:prstGeom>
+        </p:spPr>
+        <p:txBody>
+          <a:bodyPr vert="horz" lIns="91440" tIns="45720" rIns="91440" bIns="45720" rtlCol="0"/>
+          <a:lstStyle>
+            <a:lvl1pPr algn="l">
+              <a:defRPr sz="1200"/>
+            </a:lvl1pPr>
+          </a:lstStyle>
+          <a:p>
+            <a:endParaRPr lang="zh-TW" altLang="en-US"/>
+          </a:p>
+        </p:txBody>
+      </p:sp>
+      <p:sp>
+        <p:nvSpPr>
+          <p:cNvPr id="3" name="日期版面配置區 2"/>
+          <p:cNvSpPr>
+            <a:spLocks noGrp="1"/>
+          </p:cNvSpPr>
+          <p:nvPr>
+            <p:ph type="dt" idx="1"/>
+          </p:nvPr>
+        </p:nvSpPr>
+        <p:spPr>
+          <a:xfrm>
+            <a:off x="3884613" y="0"/>
+            <a:ext cx="2971800" cy="458788"/>
+          </a:xfrm>
+          <a:prstGeom prst="rect">
+            <a:avLst/>
+          </a:prstGeom>
+        </p:spPr>
+        <p:txBody>
+          <a:bodyPr vert="horz" lIns="91440" tIns="45720" rIns="91440" bIns="45720" rtlCol="0"/>
+          <a:lstStyle>
+            <a:lvl1pPr algn="r">
+              <a:defRPr sz="1200"/>
+            </a:lvl1pPr>
+          </a:lstStyle>
+          <a:p>
+            <a:fld id="{0DB47EDC-C5F2-42F4-B959-A96657EA9993}" type="datetimeFigureOut">
+              <a:rPr lang="zh-TW" altLang="en-US" smtClean="0"/>
+              <a:t>2024/10/19</a:t>
+            </a:fld>
+            <a:endParaRPr lang="zh-TW" altLang="en-US"/>
+          </a:p>
+        </p:txBody>
+      </p:sp>
+      <p:sp>
+        <p:nvSpPr>
+          <p:cNvPr id="4" name="投影片影像版面配置區 3"/>
+          <p:cNvSpPr>
+            <a:spLocks noGrp="1" noRot="1" noChangeAspect="1"/>
+          </p:cNvSpPr>
+          <p:nvPr>
+            <p:ph type="sldImg" idx="2"/>
+          </p:nvPr>
+        </p:nvSpPr>
+        <p:spPr>
+          <a:xfrm>
+            <a:off x="685800" y="1143000"/>
+            <a:ext cx="5486400" cy="3086100"/>
+          </a:xfrm>
+          <a:prstGeom prst="rect">
+            <a:avLst/>
+          </a:prstGeom>
+          <a:noFill/>
+          <a:ln w="12700">
+            <a:solidFill>
+              <a:prstClr val="black"/>
+            </a:solidFill>
+          </a:ln>
+        </p:spPr>
+        <p:txBody>
+          <a:bodyPr vert="horz" lIns="91440" tIns="45720" rIns="91440" bIns="45720" rtlCol="0" anchor="ctr"/>
+          <a:lstStyle/>
+          <a:p>
+            <a:endParaRPr lang="zh-TW" altLang="en-US"/>
+          </a:p>
+        </p:txBody>
+      </p:sp>
+      <p:sp>
+        <p:nvSpPr>
+          <p:cNvPr id="5" name="備忘稿版面配置區 4"/>
+          <p:cNvSpPr>
+            <a:spLocks noGrp="1"/>
+          </p:cNvSpPr>
+          <p:nvPr>
+            <p:ph type="body" sz="quarter" idx="3"/>
+          </p:nvPr>
+        </p:nvSpPr>
+        <p:spPr>
+          <a:xfrm>
+            <a:off x="685800" y="4400550"/>
+            <a:ext cx="5486400" cy="3600450"/>
+          </a:xfrm>
+          <a:prstGeom prst="rect">
+            <a:avLst/>
+          </a:prstGeom>
+        </p:spPr>
+        <p:txBody>
+          <a:bodyPr vert="horz" lIns="91440" tIns="45720" rIns="91440" bIns="45720" rtlCol="0"/>
+          <a:lstStyle/>
+          <a:p>
+            <a:pPr lvl="0"/>
+            <a:r>
+              <a:rPr lang="zh-TW" altLang="en-US"/>
+              <a:t>編輯母片文字樣式</a:t>
+            </a:r>
+          </a:p>
+          <a:p>
+            <a:pPr lvl="1"/>
+            <a:r>
+              <a:rPr lang="zh-TW" altLang="en-US"/>
+              <a:t>第二層</a:t>
+            </a:r>
+          </a:p>
+          <a:p>
+            <a:pPr lvl="2"/>
+            <a:r>
+              <a:rPr lang="zh-TW" altLang="en-US"/>
+              <a:t>第三層</a:t>
+            </a:r>
+          </a:p>
+          <a:p>
+            <a:pPr lvl="3"/>
+            <a:r>
+              <a:rPr lang="zh-TW" altLang="en-US"/>
+              <a:t>第四層</a:t>
+            </a:r>
+          </a:p>
+          <a:p>
+            <a:pPr lvl="4"/>
+            <a:r>
+              <a:rPr lang="zh-TW" altLang="en-US"/>
+              <a:t>第五層</a:t>
+            </a:r>
+          </a:p>
+        </p:txBody>
+      </p:sp>
+      <p:sp>
+        <p:nvSpPr>
+          <p:cNvPr id="6" name="頁尾版面配置區 5"/>
+          <p:cNvSpPr>
+            <a:spLocks noGrp="1"/>
+          </p:cNvSpPr>
+          <p:nvPr>
+            <p:ph type="ftr" sz="quarter" idx="4"/>
+          </p:nvPr>
+        </p:nvSpPr>
+        <p:spPr>
+          <a:xfrm>
+            <a:off x="0" y="8685213"/>
+            <a:ext cx="2971800" cy="458787"/>
+          </a:xfrm>
+          <a:prstGeom prst="rect">
+            <a:avLst/>
+          </a:prstGeom>
+        </p:spPr>
+        <p:txBody>
+          <a:bodyPr vert="horz" lIns="91440" tIns="45720" rIns="91440" bIns="45720" rtlCol="0" anchor="b"/>
+          <a:lstStyle>
+            <a:lvl1pPr algn="l">
+              <a:defRPr sz="1200"/>
+            </a:lvl1pPr>
+          </a:lstStyle>
+          <a:p>
+            <a:endParaRPr lang="zh-TW" altLang="en-US"/>
+          </a:p>
+        </p:txBody>
+      </p:sp>
+      <p:sp>
+        <p:nvSpPr>
+          <p:cNvPr id="7" name="投影片編號版面配置區 6"/>
+          <p:cNvSpPr>
+            <a:spLocks noGrp="1"/>
+          </p:cNvSpPr>
+          <p:nvPr>
+            <p:ph type="sldNum" sz="quarter" idx="5"/>
+          </p:nvPr>
+        </p:nvSpPr>
+        <p:spPr>
+          <a:xfrm>
+            <a:off x="3884613" y="8685213"/>
+            <a:ext cx="2971800" cy="458787"/>
+          </a:xfrm>
+          <a:prstGeom prst="rect">
+            <a:avLst/>
+          </a:prstGeom>
+        </p:spPr>
+        <p:txBody>
+          <a:bodyPr vert="horz" lIns="91440" tIns="45720" rIns="91440" bIns="45720" rtlCol="0" anchor="b"/>
+          <a:lstStyle>
+            <a:lvl1pPr algn="r">
+              <a:defRPr sz="1200"/>
+            </a:lvl1pPr>
+          </a:lstStyle>
+          <a:p>
+            <a:fld id="{1DC3ACA8-C01D-4440-AC75-F226A1F3238C}" type="slidenum">
+              <a:rPr lang="zh-TW" altLang="en-US" smtClean="0"/>
+              <a:t>‹#›</a:t>
+            </a:fld>
+            <a:endParaRPr lang="zh-TW" altLang="en-US"/>
+          </a:p>
+        </p:txBody>
+      </p:sp>
+    </p:spTree>
+    <p:extLst>
+      <p:ext uri="{BB962C8B-B14F-4D97-AF65-F5344CB8AC3E}">
+        <p14:creationId xmlns:p14="http://schemas.microsoft.com/office/powerpoint/2010/main" val="3850725876"/>
+      </p:ext>
+    </p:extLst>
+  </p:cSld>
+  <p:clrMap bg1="lt1" tx1="dk1" bg2="lt2" tx2="dk2" accent1="accent1" accent2="accent2" accent3="accent3" accent4="accent4" accent5="accent5" accent6="accent6" hlink="hlink" folHlink="folHlink"/>
+  <p:notesStyle>
+    <a:lvl1pPr marL="0" algn="l" defTabSz="914400" rtl="0" eaLnBrk="1" latinLnBrk="0" hangingPunct="1">
+      <a:defRPr sz="1200" kern="1200">
+        <a:solidFill>
+          <a:schemeClr val="tx1"/>
+        </a:solidFill>
+        <a:latin typeface="+mn-lt"/>
+        <a:ea typeface="+mn-ea"/>
+        <a:cs typeface="+mn-cs"/>
+      </a:defRPr>
+    </a:lvl1pPr>
+    <a:lvl2pPr marL="457200" algn="l" defTabSz="914400" rtl="0" eaLnBrk="1" latinLnBrk="0" hangingPunct="1">
+      <a:defRPr sz="1200" kern="1200">
+        <a:solidFill>
+          <a:schemeClr val="tx1"/>
+        </a:solidFill>
+        <a:latin typeface="+mn-lt"/>
+        <a:ea typeface="+mn-ea"/>
+        <a:cs typeface="+mn-cs"/>
+      </a:defRPr>
+    </a:lvl2pPr>
+    <a:lvl3pPr marL="914400" algn="l" defTabSz="914400" rtl="0" eaLnBrk="1" latinLnBrk="0" hangingPunct="1">
+      <a:defRPr sz="1200" kern="1200">
+        <a:solidFill>
+          <a:schemeClr val="tx1"/>
+        </a:solidFill>
+        <a:latin typeface="+mn-lt"/>
+        <a:ea typeface="+mn-ea"/>
+        <a:cs typeface="+mn-cs"/>
+      </a:defRPr>
+    </a:lvl3pPr>
+    <a:lvl4pPr marL="1371600" algn="l" defTabSz="914400" rtl="0" eaLnBrk="1" latinLnBrk="0" hangingPunct="1">
+      <a:defRPr sz="1200" kern="1200">
+        <a:solidFill>
+          <a:schemeClr val="tx1"/>
+        </a:solidFill>
+        <a:latin typeface="+mn-lt"/>
+        <a:ea typeface="+mn-ea"/>
+        <a:cs typeface="+mn-cs"/>
+      </a:defRPr>
+    </a:lvl4pPr>
+    <a:lvl5pPr marL="1828800" algn="l" defTabSz="914400" rtl="0" eaLnBrk="1" latinLnBrk="0" hangingPunct="1">
+      <a:defRPr sz="1200" kern="1200">
+        <a:solidFill>
+          <a:schemeClr val="tx1"/>
+        </a:solidFill>
+        <a:latin typeface="+mn-lt"/>
+        <a:ea typeface="+mn-ea"/>
+        <a:cs typeface="+mn-cs"/>
+      </a:defRPr>
+    </a:lvl5pPr>
+    <a:lvl6pPr marL="2286000" algn="l" defTabSz="914400" rtl="0" eaLnBrk="1" latinLnBrk="0" hangingPunct="1">
+      <a:defRPr sz="1200" kern="1200">
+        <a:solidFill>
+          <a:schemeClr val="tx1"/>
+        </a:solidFill>
+        <a:latin typeface="+mn-lt"/>
+        <a:ea typeface="+mn-ea"/>
+        <a:cs typeface="+mn-cs"/>
+      </a:defRPr>
+    </a:lvl6pPr>
+    <a:lvl7pPr marL="2743200" algn="l" defTabSz="914400" rtl="0" eaLnBrk="1" latinLnBrk="0" hangingPunct="1">
+      <a:defRPr sz="1200" kern="1200">
+        <a:solidFill>
+          <a:schemeClr val="tx1"/>
+        </a:solidFill>
+        <a:latin typeface="+mn-lt"/>
+        <a:ea typeface="+mn-ea"/>
+        <a:cs typeface="+mn-cs"/>
+      </a:defRPr>
+    </a:lvl7pPr>
+    <a:lvl8pPr marL="3200400" algn="l" defTabSz="914400" rtl="0" eaLnBrk="1" latinLnBrk="0" hangingPunct="1">
+      <a:defRPr sz="1200" kern="1200">
+        <a:solidFill>
+          <a:schemeClr val="tx1"/>
+        </a:solidFill>
+        <a:latin typeface="+mn-lt"/>
+        <a:ea typeface="+mn-ea"/>
+        <a:cs typeface="+mn-cs"/>
+      </a:defRPr>
+    </a:lvl8pPr>
+    <a:lvl9pPr marL="3657600" algn="l" defTabSz="914400" rtl="0" eaLnBrk="1" latinLnBrk="0" hangingPunct="1">
+      <a:defRPr sz="1200" kern="1200">
+        <a:solidFill>
+          <a:schemeClr val="tx1"/>
+        </a:solidFill>
+        <a:latin typeface="+mn-lt"/>
+        <a:ea typeface="+mn-ea"/>
+        <a:cs typeface="+mn-cs"/>
+      </a:defRPr>
+    </a:lvl9pPr>
+  </p:notesStyle>
+</p:notesMaster>
+</file>
+
+<file path=ppt/notesSlides/notesSlide1.xml><?xml version="1.0" encoding="utf-8"?>
+<p:notes xmlns:a="http://schemas.openxmlformats.org/drawingml/2006/main" xmlns:r="http://schemas.openxmlformats.org/officeDocument/2006/relationships" xmlns:p="http://schemas.openxmlformats.org/presentationml/2006/main">
+  <p:cSld>
+    <p:spTree>
+      <p:nvGrpSpPr>
+        <p:cNvPr id="1" name=""/>
+        <p:cNvGrpSpPr/>
+        <p:nvPr/>
+      </p:nvGrpSpPr>
+      <p:grpSpPr>
+        <a:xfrm>
+          <a:off x="0" y="0"/>
+          <a:ext cx="0" cy="0"/>
+          <a:chOff x="0" y="0"/>
+          <a:chExt cx="0" cy="0"/>
+        </a:xfrm>
+      </p:grpSpPr>
+      <p:sp>
+        <p:nvSpPr>
+          <p:cNvPr id="2" name="投影片影像版面配置區 1"/>
+          <p:cNvSpPr>
+            <a:spLocks noGrp="1" noRot="1" noChangeAspect="1"/>
+          </p:cNvSpPr>
+          <p:nvPr>
+            <p:ph type="sldImg"/>
+          </p:nvPr>
+        </p:nvSpPr>
+        <p:spPr/>
+      </p:sp>
+      <p:sp>
+        <p:nvSpPr>
+          <p:cNvPr id="3" name="備忘稿版面配置區 2"/>
+          <p:cNvSpPr>
+            <a:spLocks noGrp="1"/>
+          </p:cNvSpPr>
+          <p:nvPr>
+            <p:ph type="body" idx="1"/>
+          </p:nvPr>
+        </p:nvSpPr>
+        <p:spPr/>
+        <p:txBody>
+          <a:bodyPr/>
+          <a:lstStyle/>
+          <a:p>
+            <a:r>
+              <a:rPr lang="en-US" altLang="zh-TW" sz="1200" b="1" i="0" kern="1200" dirty="0">
+                <a:solidFill>
+                  <a:schemeClr val="tx1"/>
+                </a:solidFill>
+                <a:effectLst/>
+                <a:latin typeface="+mn-lt"/>
+                <a:ea typeface="+mn-ea"/>
+                <a:cs typeface="+mn-cs"/>
+              </a:rPr>
+              <a:t>A Japanese 2D animation character, tall and thin, wearing a white shirt, red tie, dark blue suspenders, snowman face, small triangular brown hat on head, pure blue eyes, black triangular nose, red mouth, archaeologist</a:t>
+            </a:r>
+            <a:endParaRPr lang="zh-TW" altLang="en-US" dirty="0"/>
+          </a:p>
+        </p:txBody>
+      </p:sp>
+      <p:sp>
+        <p:nvSpPr>
+          <p:cNvPr id="4" name="投影片編號版面配置區 3"/>
+          <p:cNvSpPr>
+            <a:spLocks noGrp="1"/>
+          </p:cNvSpPr>
+          <p:nvPr>
+            <p:ph type="sldNum" sz="quarter" idx="5"/>
+          </p:nvPr>
+        </p:nvSpPr>
+        <p:spPr/>
+        <p:txBody>
+          <a:bodyPr/>
+          <a:lstStyle/>
+          <a:p>
+            <a:pPr marL="0" marR="0" lvl="0" indent="0" algn="r" defTabSz="914400" rtl="0" eaLnBrk="1" fontAlgn="auto" latinLnBrk="0" hangingPunct="1">
+              <a:lnSpc>
+                <a:spcPct val="100000"/>
+              </a:lnSpc>
+              <a:spcBef>
+                <a:spcPts val="0"/>
+              </a:spcBef>
+              <a:spcAft>
+                <a:spcPts val="0"/>
+              </a:spcAft>
+              <a:buClrTx/>
+              <a:buSzTx/>
+              <a:buFontTx/>
+              <a:buNone/>
+              <a:tabLst/>
+              <a:defRPr/>
+            </a:pPr>
+            <a:fld id="{11565D60-3C2A-4B9D-8ECF-EF1600ABA2C5}" type="slidenum">
+              <a:rPr kumimoji="0" lang="zh-TW" altLang="en-US" sz="1200" b="0" i="0" u="none" strike="noStrike" kern="1200" cap="none" spc="0" normalizeH="0" baseline="0" noProof="0" smtClean="0">
+                <a:ln>
+                  <a:noFill/>
+                </a:ln>
+                <a:solidFill>
+                  <a:prstClr val="black"/>
+                </a:solidFill>
+                <a:effectLst/>
+                <a:uLnTx/>
+                <a:uFillTx/>
+                <a:latin typeface="Calibri" panose="020F0502020204030204"/>
+                <a:ea typeface="新細明體" panose="02020500000000000000" pitchFamily="18" charset="-120"/>
+                <a:cs typeface="+mn-cs"/>
+              </a:rPr>
+              <a:pPr marL="0" marR="0" lvl="0" indent="0" algn="r" defTabSz="914400" rtl="0" eaLnBrk="1" fontAlgn="auto" latinLnBrk="0" hangingPunct="1">
+                <a:lnSpc>
+                  <a:spcPct val="100000"/>
+                </a:lnSpc>
+                <a:spcBef>
+                  <a:spcPts val="0"/>
+                </a:spcBef>
+                <a:spcAft>
+                  <a:spcPts val="0"/>
+                </a:spcAft>
+                <a:buClrTx/>
+                <a:buSzTx/>
+                <a:buFontTx/>
+                <a:buNone/>
+                <a:tabLst/>
+                <a:defRPr/>
+              </a:pPr>
+              <a:t>2</a:t>
+            </a:fld>
+            <a:endParaRPr kumimoji="0" lang="zh-TW" altLang="en-US" sz="1200" b="0" i="0" u="none" strike="noStrike" kern="1200" cap="none" spc="0" normalizeH="0" baseline="0" noProof="0">
+              <a:ln>
+                <a:noFill/>
+              </a:ln>
+              <a:solidFill>
+                <a:prstClr val="black"/>
+              </a:solidFill>
+              <a:effectLst/>
+              <a:uLnTx/>
+              <a:uFillTx/>
+              <a:latin typeface="Calibri" panose="020F0502020204030204"/>
+              <a:ea typeface="新細明體" panose="02020500000000000000" pitchFamily="18" charset="-120"/>
+              <a:cs typeface="+mn-cs"/>
+            </a:endParaRPr>
+          </a:p>
+        </p:txBody>
+      </p:sp>
+    </p:spTree>
+    <p:extLst>
+      <p:ext uri="{BB962C8B-B14F-4D97-AF65-F5344CB8AC3E}">
+        <p14:creationId xmlns:p14="http://schemas.microsoft.com/office/powerpoint/2010/main" val="4013164515"/>
+      </p:ext>
+    </p:extLst>
+  </p:cSld>
+  <p:clrMapOvr>
+    <a:masterClrMapping/>
+  </p:clrMapOvr>
+</p:notes>
+</file>
+
+<file path=ppt/notesSlides/notesSlide2.xml><?xml version="1.0" encoding="utf-8"?>
+<p:notes xmlns:a="http://schemas.openxmlformats.org/drawingml/2006/main" xmlns:r="http://schemas.openxmlformats.org/officeDocument/2006/relationships" xmlns:p="http://schemas.openxmlformats.org/presentationml/2006/main">
+  <p:cSld>
+    <p:spTree>
+      <p:nvGrpSpPr>
+        <p:cNvPr id="1" name=""/>
+        <p:cNvGrpSpPr/>
+        <p:nvPr/>
+      </p:nvGrpSpPr>
+      <p:grpSpPr>
+        <a:xfrm>
+          <a:off x="0" y="0"/>
+          <a:ext cx="0" cy="0"/>
+          <a:chOff x="0" y="0"/>
+          <a:chExt cx="0" cy="0"/>
+        </a:xfrm>
+      </p:grpSpPr>
+      <p:sp>
+        <p:nvSpPr>
+          <p:cNvPr id="2" name="投影片影像版面配置區 1"/>
+          <p:cNvSpPr>
+            <a:spLocks noGrp="1" noRot="1" noChangeAspect="1"/>
+          </p:cNvSpPr>
+          <p:nvPr>
+            <p:ph type="sldImg"/>
+          </p:nvPr>
+        </p:nvSpPr>
+        <p:spPr/>
+      </p:sp>
+      <p:sp>
+        <p:nvSpPr>
+          <p:cNvPr id="3" name="備忘稿版面配置區 2"/>
+          <p:cNvSpPr>
+            <a:spLocks noGrp="1"/>
+          </p:cNvSpPr>
+          <p:nvPr>
+            <p:ph type="body" idx="1"/>
+          </p:nvPr>
+        </p:nvSpPr>
+        <p:spPr/>
+        <p:txBody>
+          <a:bodyPr/>
+          <a:lstStyle/>
+          <a:p>
+            <a:r>
+              <a:rPr lang="zh-TW" altLang="en-US" sz="1200" b="1" i="0" kern="1200" dirty="0">
+                <a:solidFill>
+                  <a:schemeClr val="tx1"/>
+                </a:solidFill>
+                <a:effectLst/>
+                <a:latin typeface="+mn-lt"/>
+                <a:ea typeface="+mn-ea"/>
+                <a:cs typeface="+mn-cs"/>
+              </a:rPr>
+              <a:t>一個日本</a:t>
+            </a:r>
+            <a:r>
+              <a:rPr lang="en-US" altLang="zh-TW" sz="1200" b="1" i="0" kern="1200" dirty="0">
+                <a:solidFill>
+                  <a:schemeClr val="tx1"/>
+                </a:solidFill>
+                <a:effectLst/>
+                <a:latin typeface="+mn-lt"/>
+                <a:ea typeface="+mn-ea"/>
+                <a:cs typeface="+mn-cs"/>
+              </a:rPr>
+              <a:t>2D</a:t>
+            </a:r>
+            <a:r>
+              <a:rPr lang="zh-TW" altLang="en-US" sz="1200" b="1" i="0" kern="1200" dirty="0">
+                <a:solidFill>
+                  <a:schemeClr val="tx1"/>
+                </a:solidFill>
+                <a:effectLst/>
+                <a:latin typeface="+mn-lt"/>
+                <a:ea typeface="+mn-ea"/>
+                <a:cs typeface="+mn-cs"/>
+              </a:rPr>
+              <a:t>卡通風格的角色，身高瘦長，穿著白色襯衫，打紅領帶，穿著深藍吊帶褲子，帶著雪人頭套，頭上有一個小小的三角形棕色帽子，眼睛是純藍色，黑色的三角形鼻子，紅色嘴巴，喜愛畫畫，站在一個有一些油漆桶的書房，手裡拿著畫筆，平面的畫風，沒有頭髮，背景多加兩位父母親，臉上透漏著憤怒</a:t>
+            </a:r>
+            <a:endParaRPr lang="en-US" altLang="zh-TW" sz="1200" b="1" i="0" kern="1200" dirty="0">
+              <a:solidFill>
+                <a:schemeClr val="tx1"/>
+              </a:solidFill>
+              <a:effectLst/>
+              <a:latin typeface="+mn-lt"/>
+              <a:ea typeface="+mn-ea"/>
+              <a:cs typeface="+mn-cs"/>
+            </a:endParaRPr>
+          </a:p>
+          <a:p>
+            <a:endParaRPr lang="en-US" altLang="zh-TW" sz="1200" b="1" i="0" kern="1200" dirty="0">
+              <a:solidFill>
+                <a:schemeClr val="tx1"/>
+              </a:solidFill>
+              <a:effectLst/>
+              <a:latin typeface="+mn-lt"/>
+              <a:ea typeface="+mn-ea"/>
+              <a:cs typeface="+mn-cs"/>
+            </a:endParaRPr>
+          </a:p>
+          <a:p>
+            <a:r>
+              <a:rPr lang="zh-TW" altLang="en-US" dirty="0"/>
+              <a:t>然而</a:t>
+            </a:r>
+            <a:r>
+              <a:rPr lang="en-US" altLang="zh-TW" dirty="0"/>
+              <a:t>,</a:t>
+            </a:r>
+            <a:r>
+              <a:rPr lang="zh-TW" altLang="en-US" dirty="0"/>
+              <a:t>家庭的經濟狀況成為了他追求夢想的</a:t>
+            </a:r>
+            <a:r>
+              <a:rPr lang="zh-TW" altLang="en-US" b="1" dirty="0"/>
+              <a:t>阻礙</a:t>
+            </a:r>
+            <a:r>
+              <a:rPr lang="zh-TW" altLang="en-US" dirty="0"/>
+              <a:t>。父母希望他選擇一個更穩定的職業</a:t>
+            </a:r>
+            <a:r>
+              <a:rPr lang="en-US" altLang="zh-TW" dirty="0"/>
+              <a:t>,</a:t>
+            </a:r>
+            <a:r>
+              <a:rPr lang="zh-TW" altLang="en-US" dirty="0"/>
+              <a:t>而不是冒險走藝術這條路。</a:t>
+            </a:r>
+          </a:p>
+        </p:txBody>
+      </p:sp>
+      <p:sp>
+        <p:nvSpPr>
+          <p:cNvPr id="4" name="投影片編號版面配置區 3"/>
+          <p:cNvSpPr>
+            <a:spLocks noGrp="1"/>
+          </p:cNvSpPr>
+          <p:nvPr>
+            <p:ph type="sldNum" sz="quarter" idx="5"/>
+          </p:nvPr>
+        </p:nvSpPr>
+        <p:spPr/>
+        <p:txBody>
+          <a:bodyPr/>
+          <a:lstStyle/>
+          <a:p>
+            <a:pPr marL="0" marR="0" lvl="0" indent="0" algn="r" defTabSz="914400" rtl="0" eaLnBrk="1" fontAlgn="auto" latinLnBrk="0" hangingPunct="1">
+              <a:lnSpc>
+                <a:spcPct val="100000"/>
+              </a:lnSpc>
+              <a:spcBef>
+                <a:spcPts val="0"/>
+              </a:spcBef>
+              <a:spcAft>
+                <a:spcPts val="0"/>
+              </a:spcAft>
+              <a:buClrTx/>
+              <a:buSzTx/>
+              <a:buFontTx/>
+              <a:buNone/>
+              <a:tabLst/>
+              <a:defRPr/>
+            </a:pPr>
+            <a:fld id="{11565D60-3C2A-4B9D-8ECF-EF1600ABA2C5}" type="slidenum">
+              <a:rPr kumimoji="0" lang="zh-TW" altLang="en-US" sz="1200" b="0" i="0" u="none" strike="noStrike" kern="1200" cap="none" spc="0" normalizeH="0" baseline="0" noProof="0" smtClean="0">
+                <a:ln>
+                  <a:noFill/>
+                </a:ln>
+                <a:solidFill>
+                  <a:prstClr val="black"/>
+                </a:solidFill>
+                <a:effectLst/>
+                <a:uLnTx/>
+                <a:uFillTx/>
+                <a:latin typeface="Calibri" panose="020F0502020204030204"/>
+                <a:ea typeface="新細明體" panose="02020500000000000000" pitchFamily="18" charset="-120"/>
+                <a:cs typeface="+mn-cs"/>
+              </a:rPr>
+              <a:pPr marL="0" marR="0" lvl="0" indent="0" algn="r" defTabSz="914400" rtl="0" eaLnBrk="1" fontAlgn="auto" latinLnBrk="0" hangingPunct="1">
+                <a:lnSpc>
+                  <a:spcPct val="100000"/>
+                </a:lnSpc>
+                <a:spcBef>
+                  <a:spcPts val="0"/>
+                </a:spcBef>
+                <a:spcAft>
+                  <a:spcPts val="0"/>
+                </a:spcAft>
+                <a:buClrTx/>
+                <a:buSzTx/>
+                <a:buFontTx/>
+                <a:buNone/>
+                <a:tabLst/>
+                <a:defRPr/>
+              </a:pPr>
+              <a:t>3</a:t>
+            </a:fld>
+            <a:endParaRPr kumimoji="0" lang="zh-TW" altLang="en-US" sz="1200" b="0" i="0" u="none" strike="noStrike" kern="1200" cap="none" spc="0" normalizeH="0" baseline="0" noProof="0">
+              <a:ln>
+                <a:noFill/>
+              </a:ln>
+              <a:solidFill>
+                <a:prstClr val="black"/>
+              </a:solidFill>
+              <a:effectLst/>
+              <a:uLnTx/>
+              <a:uFillTx/>
+              <a:latin typeface="Calibri" panose="020F0502020204030204"/>
+              <a:ea typeface="新細明體" panose="02020500000000000000" pitchFamily="18" charset="-120"/>
+              <a:cs typeface="+mn-cs"/>
+            </a:endParaRPr>
+          </a:p>
+        </p:txBody>
+      </p:sp>
+    </p:spTree>
+    <p:extLst>
+      <p:ext uri="{BB962C8B-B14F-4D97-AF65-F5344CB8AC3E}">
+        <p14:creationId xmlns:p14="http://schemas.microsoft.com/office/powerpoint/2010/main" val="891773131"/>
+      </p:ext>
+    </p:extLst>
+  </p:cSld>
+  <p:clrMapOvr>
+    <a:masterClrMapping/>
+  </p:clrMapOvr>
+</p:notes>
+</file>
+
+<file path=ppt/notesSlides/notesSlide3.xml><?xml version="1.0" encoding="utf-8"?>
+<p:notes xmlns:a="http://schemas.openxmlformats.org/drawingml/2006/main" xmlns:r="http://schemas.openxmlformats.org/officeDocument/2006/relationships" xmlns:p="http://schemas.openxmlformats.org/presentationml/2006/main">
+  <p:cSld>
+    <p:spTree>
+      <p:nvGrpSpPr>
+        <p:cNvPr id="1" name=""/>
+        <p:cNvGrpSpPr/>
+        <p:nvPr/>
+      </p:nvGrpSpPr>
+      <p:grpSpPr>
+        <a:xfrm>
+          <a:off x="0" y="0"/>
+          <a:ext cx="0" cy="0"/>
+          <a:chOff x="0" y="0"/>
+          <a:chExt cx="0" cy="0"/>
+        </a:xfrm>
+      </p:grpSpPr>
+      <p:sp>
+        <p:nvSpPr>
+          <p:cNvPr id="2" name="投影片影像版面配置區 1"/>
+          <p:cNvSpPr>
+            <a:spLocks noGrp="1" noRot="1" noChangeAspect="1"/>
+          </p:cNvSpPr>
+          <p:nvPr>
+            <p:ph type="sldImg"/>
+          </p:nvPr>
+        </p:nvSpPr>
+        <p:spPr/>
+      </p:sp>
+      <p:sp>
+        <p:nvSpPr>
+          <p:cNvPr id="3" name="備忘稿版面配置區 2"/>
+          <p:cNvSpPr>
+            <a:spLocks noGrp="1"/>
+          </p:cNvSpPr>
+          <p:nvPr>
+            <p:ph type="body" idx="1"/>
+          </p:nvPr>
+        </p:nvSpPr>
+        <p:spPr/>
+        <p:txBody>
+          <a:bodyPr/>
+          <a:lstStyle/>
+          <a:p>
+            <a:r>
+              <a:rPr lang="zh-TW" altLang="en-US" sz="1200" b="1" i="0" kern="1200" dirty="0">
+                <a:solidFill>
+                  <a:schemeClr val="tx1"/>
+                </a:solidFill>
+                <a:effectLst/>
+                <a:latin typeface="+mn-lt"/>
+                <a:ea typeface="+mn-ea"/>
+                <a:cs typeface="+mn-cs"/>
+              </a:rPr>
+              <a:t>一個日本</a:t>
+            </a:r>
+            <a:r>
+              <a:rPr lang="en-US" altLang="zh-TW" sz="1200" b="1" i="0" kern="1200" dirty="0">
+                <a:solidFill>
+                  <a:schemeClr val="tx1"/>
+                </a:solidFill>
+                <a:effectLst/>
+                <a:latin typeface="+mn-lt"/>
+                <a:ea typeface="+mn-ea"/>
+                <a:cs typeface="+mn-cs"/>
+              </a:rPr>
+              <a:t>2D</a:t>
+            </a:r>
+            <a:r>
+              <a:rPr lang="zh-TW" altLang="en-US" sz="1200" b="1" i="0" kern="1200" dirty="0">
+                <a:solidFill>
+                  <a:schemeClr val="tx1"/>
+                </a:solidFill>
+                <a:effectLst/>
+                <a:latin typeface="+mn-lt"/>
+                <a:ea typeface="+mn-ea"/>
+                <a:cs typeface="+mn-cs"/>
+              </a:rPr>
+              <a:t>卡通風格的角色，身高瘦長，穿著白色襯衫，打紅領帶，穿著深藍吊帶褲子，帶著雪人頭套，頭上有一個小小的三角形棕色帽子，眼睛是純藍色，黑色的三角形鼻子，紅色嘴巴，臉上留著汗水在夜晚中努力畫畫的樣子</a:t>
+            </a:r>
+            <a:endParaRPr lang="en-US" altLang="zh-TW" sz="1200" b="1" i="0" kern="1200" dirty="0">
+              <a:solidFill>
+                <a:schemeClr val="tx1"/>
+              </a:solidFill>
+              <a:effectLst/>
+              <a:latin typeface="+mn-lt"/>
+              <a:ea typeface="+mn-ea"/>
+              <a:cs typeface="+mn-cs"/>
+            </a:endParaRPr>
+          </a:p>
+          <a:p>
+            <a:endParaRPr lang="en-US" altLang="zh-TW" sz="1200" b="1" i="0" kern="1200" dirty="0">
+              <a:solidFill>
+                <a:schemeClr val="tx1"/>
+              </a:solidFill>
+              <a:effectLst/>
+              <a:latin typeface="+mn-lt"/>
+              <a:ea typeface="+mn-ea"/>
+              <a:cs typeface="+mn-cs"/>
+            </a:endParaRPr>
+          </a:p>
+          <a:p>
+            <a:r>
+              <a:rPr lang="zh-TW" altLang="en-US" dirty="0"/>
+              <a:t>但我沒有放棄。日以繼夜地</a:t>
+            </a:r>
+            <a:r>
+              <a:rPr lang="zh-TW" altLang="en-US" b="1" dirty="0"/>
+              <a:t>努力</a:t>
+            </a:r>
+            <a:r>
+              <a:rPr lang="zh-TW" altLang="en-US" dirty="0"/>
+              <a:t>練習繪畫</a:t>
+            </a:r>
+            <a:r>
+              <a:rPr lang="en-US" altLang="zh-TW" dirty="0"/>
+              <a:t>,</a:t>
+            </a:r>
+            <a:r>
+              <a:rPr lang="zh-TW" altLang="en-US" dirty="0"/>
+              <a:t>同時打工賺錢支付美術課程的學費。經過兩年的堅持</a:t>
+            </a:r>
+            <a:r>
+              <a:rPr lang="en-US" altLang="zh-TW" dirty="0"/>
+              <a:t>,</a:t>
+            </a:r>
+            <a:r>
+              <a:rPr lang="zh-TW" altLang="en-US" dirty="0"/>
+              <a:t>畫技有了顯著的進步</a:t>
+            </a:r>
+            <a:r>
+              <a:rPr lang="en-US" altLang="zh-TW" dirty="0"/>
+              <a:t>,</a:t>
+            </a:r>
+            <a:r>
+              <a:rPr lang="zh-TW" altLang="en-US" dirty="0"/>
+              <a:t>這個</a:t>
+            </a:r>
+            <a:r>
+              <a:rPr lang="zh-TW" altLang="en-US" b="1" dirty="0"/>
+              <a:t>結果</a:t>
+            </a:r>
+            <a:r>
+              <a:rPr lang="zh-TW" altLang="en-US" dirty="0"/>
+              <a:t>讓我更加堅定了自己的選擇。</a:t>
+            </a:r>
+          </a:p>
+        </p:txBody>
+      </p:sp>
+      <p:sp>
+        <p:nvSpPr>
+          <p:cNvPr id="4" name="投影片編號版面配置區 3"/>
+          <p:cNvSpPr>
+            <a:spLocks noGrp="1"/>
+          </p:cNvSpPr>
+          <p:nvPr>
+            <p:ph type="sldNum" sz="quarter" idx="5"/>
+          </p:nvPr>
+        </p:nvSpPr>
+        <p:spPr/>
+        <p:txBody>
+          <a:bodyPr/>
+          <a:lstStyle/>
+          <a:p>
+            <a:pPr marL="0" marR="0" lvl="0" indent="0" algn="r" defTabSz="914400" rtl="0" eaLnBrk="1" fontAlgn="auto" latinLnBrk="0" hangingPunct="1">
+              <a:lnSpc>
+                <a:spcPct val="100000"/>
+              </a:lnSpc>
+              <a:spcBef>
+                <a:spcPts val="0"/>
+              </a:spcBef>
+              <a:spcAft>
+                <a:spcPts val="0"/>
+              </a:spcAft>
+              <a:buClrTx/>
+              <a:buSzTx/>
+              <a:buFontTx/>
+              <a:buNone/>
+              <a:tabLst/>
+              <a:defRPr/>
+            </a:pPr>
+            <a:fld id="{11565D60-3C2A-4B9D-8ECF-EF1600ABA2C5}" type="slidenum">
+              <a:rPr kumimoji="0" lang="zh-TW" altLang="en-US" sz="1200" b="0" i="0" u="none" strike="noStrike" kern="1200" cap="none" spc="0" normalizeH="0" baseline="0" noProof="0" smtClean="0">
+                <a:ln>
+                  <a:noFill/>
+                </a:ln>
+                <a:solidFill>
+                  <a:prstClr val="black"/>
+                </a:solidFill>
+                <a:effectLst/>
+                <a:uLnTx/>
+                <a:uFillTx/>
+                <a:latin typeface="Calibri" panose="020F0502020204030204"/>
+                <a:ea typeface="新細明體" panose="02020500000000000000" pitchFamily="18" charset="-120"/>
+                <a:cs typeface="+mn-cs"/>
+              </a:rPr>
+              <a:pPr marL="0" marR="0" lvl="0" indent="0" algn="r" defTabSz="914400" rtl="0" eaLnBrk="1" fontAlgn="auto" latinLnBrk="0" hangingPunct="1">
+                <a:lnSpc>
+                  <a:spcPct val="100000"/>
+                </a:lnSpc>
+                <a:spcBef>
+                  <a:spcPts val="0"/>
+                </a:spcBef>
+                <a:spcAft>
+                  <a:spcPts val="0"/>
+                </a:spcAft>
+                <a:buClrTx/>
+                <a:buSzTx/>
+                <a:buFontTx/>
+                <a:buNone/>
+                <a:tabLst/>
+                <a:defRPr/>
+              </a:pPr>
+              <a:t>4</a:t>
+            </a:fld>
+            <a:endParaRPr kumimoji="0" lang="zh-TW" altLang="en-US" sz="1200" b="0" i="0" u="none" strike="noStrike" kern="1200" cap="none" spc="0" normalizeH="0" baseline="0" noProof="0">
+              <a:ln>
+                <a:noFill/>
+              </a:ln>
+              <a:solidFill>
+                <a:prstClr val="black"/>
+              </a:solidFill>
+              <a:effectLst/>
+              <a:uLnTx/>
+              <a:uFillTx/>
+              <a:latin typeface="Calibri" panose="020F0502020204030204"/>
+              <a:ea typeface="新細明體" panose="02020500000000000000" pitchFamily="18" charset="-120"/>
+              <a:cs typeface="+mn-cs"/>
+            </a:endParaRPr>
+          </a:p>
+        </p:txBody>
+      </p:sp>
+    </p:spTree>
+    <p:extLst>
+      <p:ext uri="{BB962C8B-B14F-4D97-AF65-F5344CB8AC3E}">
+        <p14:creationId xmlns:p14="http://schemas.microsoft.com/office/powerpoint/2010/main" val="3877273804"/>
+      </p:ext>
+    </p:extLst>
+  </p:cSld>
+  <p:clrMapOvr>
+    <a:masterClrMapping/>
+  </p:clrMapOvr>
+</p:notes>
+</file>
+
+<file path=ppt/notesSlides/notesSlide4.xml><?xml version="1.0" encoding="utf-8"?>
+<p:notes xmlns:a="http://schemas.openxmlformats.org/drawingml/2006/main" xmlns:r="http://schemas.openxmlformats.org/officeDocument/2006/relationships" xmlns:p="http://schemas.openxmlformats.org/presentationml/2006/main">
+  <p:cSld>
+    <p:spTree>
+      <p:nvGrpSpPr>
+        <p:cNvPr id="1" name=""/>
+        <p:cNvGrpSpPr/>
+        <p:nvPr/>
+      </p:nvGrpSpPr>
+      <p:grpSpPr>
+        <a:xfrm>
+          <a:off x="0" y="0"/>
+          <a:ext cx="0" cy="0"/>
+          <a:chOff x="0" y="0"/>
+          <a:chExt cx="0" cy="0"/>
+        </a:xfrm>
+      </p:grpSpPr>
+      <p:sp>
+        <p:nvSpPr>
+          <p:cNvPr id="2" name="投影片影像版面配置區 1"/>
+          <p:cNvSpPr>
+            <a:spLocks noGrp="1" noRot="1" noChangeAspect="1"/>
+          </p:cNvSpPr>
+          <p:nvPr>
+            <p:ph type="sldImg"/>
+          </p:nvPr>
+        </p:nvSpPr>
+        <p:spPr/>
+      </p:sp>
+      <p:sp>
+        <p:nvSpPr>
+          <p:cNvPr id="3" name="備忘稿版面配置區 2"/>
+          <p:cNvSpPr>
+            <a:spLocks noGrp="1"/>
+          </p:cNvSpPr>
+          <p:nvPr>
+            <p:ph type="body" idx="1"/>
+          </p:nvPr>
+        </p:nvSpPr>
+        <p:spPr/>
+        <p:txBody>
+          <a:bodyPr/>
+          <a:lstStyle/>
+          <a:p>
+            <a:r>
+              <a:rPr lang="zh-TW" altLang="en-US" sz="1200" b="1" i="0" kern="1200" dirty="0">
+                <a:solidFill>
+                  <a:schemeClr val="tx1"/>
+                </a:solidFill>
+                <a:effectLst/>
+                <a:latin typeface="+mn-lt"/>
+                <a:ea typeface="+mn-ea"/>
+                <a:cs typeface="+mn-cs"/>
+              </a:rPr>
+              <a:t>一個日本</a:t>
+            </a:r>
+            <a:r>
+              <a:rPr lang="en-US" altLang="zh-TW" sz="1200" b="1" i="0" kern="1200" dirty="0">
+                <a:solidFill>
+                  <a:schemeClr val="tx1"/>
+                </a:solidFill>
+                <a:effectLst/>
+                <a:latin typeface="+mn-lt"/>
+                <a:ea typeface="+mn-ea"/>
+                <a:cs typeface="+mn-cs"/>
+              </a:rPr>
+              <a:t>2D</a:t>
+            </a:r>
+            <a:r>
+              <a:rPr lang="zh-TW" altLang="en-US" sz="1200" b="1" i="0" kern="1200" dirty="0">
+                <a:solidFill>
+                  <a:schemeClr val="tx1"/>
+                </a:solidFill>
+                <a:effectLst/>
+                <a:latin typeface="+mn-lt"/>
+                <a:ea typeface="+mn-ea"/>
+                <a:cs typeface="+mn-cs"/>
+              </a:rPr>
+              <a:t>動畫的角色，身高瘦長，穿著白色襯衫，打紅領帶，穿著深藍吊帶褲子，帶著雪人頭套，頭上有一個小小的三角形棕色帽子，眼睛是純藍色，黑色的三角形鼻子，紅色嘴巴，但是畫室失火了，臉上透漏著悲傷</a:t>
+            </a:r>
+            <a:endParaRPr lang="en-US" altLang="zh-TW" sz="1200" b="1" i="0" kern="1200" dirty="0">
+              <a:solidFill>
+                <a:schemeClr val="tx1"/>
+              </a:solidFill>
+              <a:effectLst/>
+              <a:latin typeface="+mn-lt"/>
+              <a:ea typeface="+mn-ea"/>
+              <a:cs typeface="+mn-cs"/>
+            </a:endParaRPr>
+          </a:p>
+          <a:p>
+            <a:endParaRPr lang="en-US" altLang="zh-TW" sz="1200" b="1" i="0" kern="1200" dirty="0">
+              <a:solidFill>
+                <a:schemeClr val="tx1"/>
+              </a:solidFill>
+              <a:effectLst/>
+              <a:latin typeface="+mn-lt"/>
+              <a:ea typeface="+mn-ea"/>
+              <a:cs typeface="+mn-cs"/>
+            </a:endParaRPr>
+          </a:p>
+          <a:p>
+            <a:r>
+              <a:rPr lang="zh-TW" altLang="en-US" dirty="0"/>
+              <a:t>準備報名參加一個重要的藝術比賽時</a:t>
+            </a:r>
+            <a:r>
+              <a:rPr lang="en-US" altLang="zh-TW" dirty="0"/>
+              <a:t>,</a:t>
+            </a:r>
+            <a:r>
+              <a:rPr lang="zh-TW" altLang="en-US" dirty="0"/>
+              <a:t>一個</a:t>
+            </a:r>
+            <a:r>
+              <a:rPr lang="zh-TW" altLang="en-US" b="1" dirty="0"/>
+              <a:t>意外</a:t>
+            </a:r>
+            <a:r>
+              <a:rPr lang="zh-TW" altLang="en-US" dirty="0"/>
+              <a:t>發生了 。我的畫室因為一場火災而被燒毀</a:t>
+            </a:r>
+            <a:r>
+              <a:rPr lang="en-US" altLang="zh-TW" dirty="0"/>
+              <a:t>,</a:t>
+            </a:r>
+            <a:r>
+              <a:rPr lang="zh-TW" altLang="en-US" dirty="0"/>
+              <a:t>所有的作品都化為灰燼。這個打擊幾乎讓我放棄了自己的夢想。</a:t>
+            </a:r>
+          </a:p>
+        </p:txBody>
+      </p:sp>
+      <p:sp>
+        <p:nvSpPr>
+          <p:cNvPr id="4" name="投影片編號版面配置區 3"/>
+          <p:cNvSpPr>
+            <a:spLocks noGrp="1"/>
+          </p:cNvSpPr>
+          <p:nvPr>
+            <p:ph type="sldNum" sz="quarter" idx="5"/>
+          </p:nvPr>
+        </p:nvSpPr>
+        <p:spPr/>
+        <p:txBody>
+          <a:bodyPr/>
+          <a:lstStyle/>
+          <a:p>
+            <a:pPr marL="0" marR="0" lvl="0" indent="0" algn="r" defTabSz="914400" rtl="0" eaLnBrk="1" fontAlgn="auto" latinLnBrk="0" hangingPunct="1">
+              <a:lnSpc>
+                <a:spcPct val="100000"/>
+              </a:lnSpc>
+              <a:spcBef>
+                <a:spcPts val="0"/>
+              </a:spcBef>
+              <a:spcAft>
+                <a:spcPts val="0"/>
+              </a:spcAft>
+              <a:buClrTx/>
+              <a:buSzTx/>
+              <a:buFontTx/>
+              <a:buNone/>
+              <a:tabLst/>
+              <a:defRPr/>
+            </a:pPr>
+            <a:fld id="{11565D60-3C2A-4B9D-8ECF-EF1600ABA2C5}" type="slidenum">
+              <a:rPr kumimoji="0" lang="zh-TW" altLang="en-US" sz="1200" b="0" i="0" u="none" strike="noStrike" kern="1200" cap="none" spc="0" normalizeH="0" baseline="0" noProof="0" smtClean="0">
+                <a:ln>
+                  <a:noFill/>
+                </a:ln>
+                <a:solidFill>
+                  <a:prstClr val="black"/>
+                </a:solidFill>
+                <a:effectLst/>
+                <a:uLnTx/>
+                <a:uFillTx/>
+                <a:latin typeface="Calibri" panose="020F0502020204030204"/>
+                <a:ea typeface="新細明體" panose="02020500000000000000" pitchFamily="18" charset="-120"/>
+                <a:cs typeface="+mn-cs"/>
+              </a:rPr>
+              <a:pPr marL="0" marR="0" lvl="0" indent="0" algn="r" defTabSz="914400" rtl="0" eaLnBrk="1" fontAlgn="auto" latinLnBrk="0" hangingPunct="1">
+                <a:lnSpc>
+                  <a:spcPct val="100000"/>
+                </a:lnSpc>
+                <a:spcBef>
+                  <a:spcPts val="0"/>
+                </a:spcBef>
+                <a:spcAft>
+                  <a:spcPts val="0"/>
+                </a:spcAft>
+                <a:buClrTx/>
+                <a:buSzTx/>
+                <a:buFontTx/>
+                <a:buNone/>
+                <a:tabLst/>
+                <a:defRPr/>
+              </a:pPr>
+              <a:t>5</a:t>
+            </a:fld>
+            <a:endParaRPr kumimoji="0" lang="zh-TW" altLang="en-US" sz="1200" b="0" i="0" u="none" strike="noStrike" kern="1200" cap="none" spc="0" normalizeH="0" baseline="0" noProof="0">
+              <a:ln>
+                <a:noFill/>
+              </a:ln>
+              <a:solidFill>
+                <a:prstClr val="black"/>
+              </a:solidFill>
+              <a:effectLst/>
+              <a:uLnTx/>
+              <a:uFillTx/>
+              <a:latin typeface="Calibri" panose="020F0502020204030204"/>
+              <a:ea typeface="新細明體" panose="02020500000000000000" pitchFamily="18" charset="-120"/>
+              <a:cs typeface="+mn-cs"/>
+            </a:endParaRPr>
+          </a:p>
+        </p:txBody>
+      </p:sp>
+    </p:spTree>
+    <p:extLst>
+      <p:ext uri="{BB962C8B-B14F-4D97-AF65-F5344CB8AC3E}">
+        <p14:creationId xmlns:p14="http://schemas.microsoft.com/office/powerpoint/2010/main" val="2388622521"/>
+      </p:ext>
+    </p:extLst>
+  </p:cSld>
+  <p:clrMapOvr>
+    <a:masterClrMapping/>
+  </p:clrMapOvr>
+</p:notes>
+</file>
+
+<file path=ppt/notesSlides/notesSlide5.xml><?xml version="1.0" encoding="utf-8"?>
+<p:notes xmlns:a="http://schemas.openxmlformats.org/drawingml/2006/main" xmlns:r="http://schemas.openxmlformats.org/officeDocument/2006/relationships" xmlns:p="http://schemas.openxmlformats.org/presentationml/2006/main">
+  <p:cSld>
+    <p:spTree>
+      <p:nvGrpSpPr>
+        <p:cNvPr id="1" name=""/>
+        <p:cNvGrpSpPr/>
+        <p:nvPr/>
+      </p:nvGrpSpPr>
+      <p:grpSpPr>
+        <a:xfrm>
+          <a:off x="0" y="0"/>
+          <a:ext cx="0" cy="0"/>
+          <a:chOff x="0" y="0"/>
+          <a:chExt cx="0" cy="0"/>
+        </a:xfrm>
+      </p:grpSpPr>
+      <p:sp>
+        <p:nvSpPr>
+          <p:cNvPr id="2" name="投影片影像版面配置區 1"/>
+          <p:cNvSpPr>
+            <a:spLocks noGrp="1" noRot="1" noChangeAspect="1"/>
+          </p:cNvSpPr>
+          <p:nvPr>
+            <p:ph type="sldImg"/>
+          </p:nvPr>
+        </p:nvSpPr>
+        <p:spPr/>
+      </p:sp>
+      <p:sp>
+        <p:nvSpPr>
+          <p:cNvPr id="3" name="備忘稿版面配置區 2"/>
+          <p:cNvSpPr>
+            <a:spLocks noGrp="1"/>
+          </p:cNvSpPr>
+          <p:nvPr>
+            <p:ph type="body" idx="1"/>
+          </p:nvPr>
+        </p:nvSpPr>
+        <p:spPr/>
+        <p:txBody>
+          <a:bodyPr/>
+          <a:lstStyle/>
+          <a:p>
+            <a:r>
+              <a:rPr lang="zh-TW" altLang="en-US" sz="1200" b="1" i="0" kern="1200" dirty="0">
+                <a:solidFill>
+                  <a:schemeClr val="tx1"/>
+                </a:solidFill>
+                <a:effectLst/>
+                <a:latin typeface="+mn-lt"/>
+                <a:ea typeface="+mn-ea"/>
+                <a:cs typeface="+mn-cs"/>
+              </a:rPr>
+              <a:t>一位日本</a:t>
+            </a:r>
+            <a:r>
+              <a:rPr lang="en-US" altLang="zh-TW" sz="1200" b="1" i="0" kern="1200" dirty="0">
+                <a:solidFill>
+                  <a:schemeClr val="tx1"/>
+                </a:solidFill>
+                <a:effectLst/>
+                <a:latin typeface="+mn-lt"/>
+                <a:ea typeface="+mn-ea"/>
+                <a:cs typeface="+mn-cs"/>
+              </a:rPr>
+              <a:t>2D</a:t>
+            </a:r>
+            <a:r>
+              <a:rPr lang="zh-TW" altLang="en-US" sz="1200" b="1" i="0" kern="1200" dirty="0">
+                <a:solidFill>
+                  <a:schemeClr val="tx1"/>
+                </a:solidFill>
+                <a:effectLst/>
+                <a:latin typeface="+mn-lt"/>
+                <a:ea typeface="+mn-ea"/>
+                <a:cs typeface="+mn-cs"/>
+              </a:rPr>
+              <a:t>動畫角色，身高瘦長，穿著白色襯衫，打紅領帶，穿著深藍吊帶褲子，帶著雪人頭套，頭上有一個小小的三角形棕色帽子，眼睛是純藍色，黑色的三角形鼻子，紅色嘴巴，雪人主角拿著自己的風景畫，面露開心，在他的面前有一位老人老師</a:t>
+            </a:r>
+            <a:endParaRPr lang="en-US" altLang="zh-TW" sz="1200" b="1" i="0" kern="1200" dirty="0">
+              <a:solidFill>
+                <a:schemeClr val="tx1"/>
+              </a:solidFill>
+              <a:effectLst/>
+              <a:latin typeface="+mn-lt"/>
+              <a:ea typeface="+mn-ea"/>
+              <a:cs typeface="+mn-cs"/>
+            </a:endParaRPr>
+          </a:p>
+          <a:p>
+            <a:endParaRPr lang="en-US" altLang="zh-TW" sz="1200" b="1" i="0" kern="1200" dirty="0">
+              <a:solidFill>
+                <a:schemeClr val="tx1"/>
+              </a:solidFill>
+              <a:effectLst/>
+              <a:latin typeface="+mn-lt"/>
+              <a:ea typeface="+mn-ea"/>
+              <a:cs typeface="+mn-cs"/>
+            </a:endParaRPr>
+          </a:p>
+          <a:p>
+            <a:r>
+              <a:rPr lang="zh-TW" altLang="en-US" dirty="0"/>
+              <a:t>當地報紙報導了我的故事</a:t>
+            </a:r>
+            <a:r>
+              <a:rPr lang="en-US" altLang="zh-TW" dirty="0"/>
+              <a:t>,</a:t>
+            </a:r>
+            <a:r>
+              <a:rPr lang="zh-TW" altLang="en-US" dirty="0"/>
+              <a:t>引起了一位畫家的注意。這位畫家被我的故事所打動</a:t>
+            </a:r>
+            <a:r>
+              <a:rPr lang="en-US" altLang="zh-TW" dirty="0"/>
+              <a:t>,</a:t>
+            </a:r>
+            <a:r>
+              <a:rPr lang="zh-TW" altLang="en-US" dirty="0"/>
+              <a:t>主動提出要收我為徒。</a:t>
+            </a:r>
+          </a:p>
+        </p:txBody>
+      </p:sp>
+      <p:sp>
+        <p:nvSpPr>
+          <p:cNvPr id="4" name="投影片編號版面配置區 3"/>
+          <p:cNvSpPr>
+            <a:spLocks noGrp="1"/>
+          </p:cNvSpPr>
+          <p:nvPr>
+            <p:ph type="sldNum" sz="quarter" idx="5"/>
+          </p:nvPr>
+        </p:nvSpPr>
+        <p:spPr/>
+        <p:txBody>
+          <a:bodyPr/>
+          <a:lstStyle/>
+          <a:p>
+            <a:pPr marL="0" marR="0" lvl="0" indent="0" algn="r" defTabSz="914400" rtl="0" eaLnBrk="1" fontAlgn="auto" latinLnBrk="0" hangingPunct="1">
+              <a:lnSpc>
+                <a:spcPct val="100000"/>
+              </a:lnSpc>
+              <a:spcBef>
+                <a:spcPts val="0"/>
+              </a:spcBef>
+              <a:spcAft>
+                <a:spcPts val="0"/>
+              </a:spcAft>
+              <a:buClrTx/>
+              <a:buSzTx/>
+              <a:buFontTx/>
+              <a:buNone/>
+              <a:tabLst/>
+              <a:defRPr/>
+            </a:pPr>
+            <a:fld id="{11565D60-3C2A-4B9D-8ECF-EF1600ABA2C5}" type="slidenum">
+              <a:rPr kumimoji="0" lang="zh-TW" altLang="en-US" sz="1200" b="0" i="0" u="none" strike="noStrike" kern="1200" cap="none" spc="0" normalizeH="0" baseline="0" noProof="0" smtClean="0">
+                <a:ln>
+                  <a:noFill/>
+                </a:ln>
+                <a:solidFill>
+                  <a:prstClr val="black"/>
+                </a:solidFill>
+                <a:effectLst/>
+                <a:uLnTx/>
+                <a:uFillTx/>
+                <a:latin typeface="Calibri" panose="020F0502020204030204"/>
+                <a:ea typeface="新細明體" panose="02020500000000000000" pitchFamily="18" charset="-120"/>
+                <a:cs typeface="+mn-cs"/>
+              </a:rPr>
+              <a:pPr marL="0" marR="0" lvl="0" indent="0" algn="r" defTabSz="914400" rtl="0" eaLnBrk="1" fontAlgn="auto" latinLnBrk="0" hangingPunct="1">
+                <a:lnSpc>
+                  <a:spcPct val="100000"/>
+                </a:lnSpc>
+                <a:spcBef>
+                  <a:spcPts val="0"/>
+                </a:spcBef>
+                <a:spcAft>
+                  <a:spcPts val="0"/>
+                </a:spcAft>
+                <a:buClrTx/>
+                <a:buSzTx/>
+                <a:buFontTx/>
+                <a:buNone/>
+                <a:tabLst/>
+                <a:defRPr/>
+              </a:pPr>
+              <a:t>6</a:t>
+            </a:fld>
+            <a:endParaRPr kumimoji="0" lang="zh-TW" altLang="en-US" sz="1200" b="0" i="0" u="none" strike="noStrike" kern="1200" cap="none" spc="0" normalizeH="0" baseline="0" noProof="0">
+              <a:ln>
+                <a:noFill/>
+              </a:ln>
+              <a:solidFill>
+                <a:prstClr val="black"/>
+              </a:solidFill>
+              <a:effectLst/>
+              <a:uLnTx/>
+              <a:uFillTx/>
+              <a:latin typeface="Calibri" panose="020F0502020204030204"/>
+              <a:ea typeface="新細明體" panose="02020500000000000000" pitchFamily="18" charset="-120"/>
+              <a:cs typeface="+mn-cs"/>
+            </a:endParaRPr>
+          </a:p>
+        </p:txBody>
+      </p:sp>
+    </p:spTree>
+    <p:extLst>
+      <p:ext uri="{BB962C8B-B14F-4D97-AF65-F5344CB8AC3E}">
+        <p14:creationId xmlns:p14="http://schemas.microsoft.com/office/powerpoint/2010/main" val="3430462355"/>
+      </p:ext>
+    </p:extLst>
+  </p:cSld>
+  <p:clrMapOvr>
+    <a:masterClrMapping/>
+  </p:clrMapOvr>
+</p:notes>
+</file>
+
+<file path=ppt/notesSlides/notesSlide6.xml><?xml version="1.0" encoding="utf-8"?>
+<p:notes xmlns:a="http://schemas.openxmlformats.org/drawingml/2006/main" xmlns:r="http://schemas.openxmlformats.org/officeDocument/2006/relationships" xmlns:p="http://schemas.openxmlformats.org/presentationml/2006/main">
+  <p:cSld>
+    <p:spTree>
+      <p:nvGrpSpPr>
+        <p:cNvPr id="1" name=""/>
+        <p:cNvGrpSpPr/>
+        <p:nvPr/>
+      </p:nvGrpSpPr>
+      <p:grpSpPr>
+        <a:xfrm>
+          <a:off x="0" y="0"/>
+          <a:ext cx="0" cy="0"/>
+          <a:chOff x="0" y="0"/>
+          <a:chExt cx="0" cy="0"/>
+        </a:xfrm>
+      </p:grpSpPr>
+      <p:sp>
+        <p:nvSpPr>
+          <p:cNvPr id="2" name="投影片影像版面配置區 1"/>
+          <p:cNvSpPr>
+            <a:spLocks noGrp="1" noRot="1" noChangeAspect="1"/>
+          </p:cNvSpPr>
+          <p:nvPr>
+            <p:ph type="sldImg"/>
+          </p:nvPr>
+        </p:nvSpPr>
+        <p:spPr/>
+      </p:sp>
+      <p:sp>
+        <p:nvSpPr>
+          <p:cNvPr id="3" name="備忘稿版面配置區 2"/>
+          <p:cNvSpPr>
+            <a:spLocks noGrp="1"/>
+          </p:cNvSpPr>
+          <p:nvPr>
+            <p:ph type="body" idx="1"/>
+          </p:nvPr>
+        </p:nvSpPr>
+        <p:spPr/>
+        <p:txBody>
+          <a:bodyPr/>
+          <a:lstStyle/>
+          <a:p>
+            <a:r>
+              <a:rPr lang="zh-TW" altLang="en-US" sz="1200" b="1" i="0" kern="1200" dirty="0">
+                <a:solidFill>
+                  <a:schemeClr val="tx1"/>
+                </a:solidFill>
+                <a:effectLst/>
+                <a:latin typeface="+mn-lt"/>
+                <a:ea typeface="+mn-ea"/>
+                <a:cs typeface="+mn-cs"/>
+              </a:rPr>
+              <a:t>一個動漫場景，一位日本</a:t>
+            </a:r>
+            <a:r>
+              <a:rPr lang="en-US" altLang="zh-TW" sz="1200" b="1" i="0" kern="1200" dirty="0">
+                <a:solidFill>
+                  <a:schemeClr val="tx1"/>
+                </a:solidFill>
+                <a:effectLst/>
+                <a:latin typeface="+mn-lt"/>
+                <a:ea typeface="+mn-ea"/>
+                <a:cs typeface="+mn-cs"/>
+              </a:rPr>
+              <a:t>2D</a:t>
+            </a:r>
+            <a:r>
+              <a:rPr lang="zh-TW" altLang="en-US" sz="1200" b="1" i="0" kern="1200" dirty="0">
+                <a:solidFill>
+                  <a:schemeClr val="tx1"/>
+                </a:solidFill>
+                <a:effectLst/>
+                <a:latin typeface="+mn-lt"/>
+                <a:ea typeface="+mn-ea"/>
+                <a:cs typeface="+mn-cs"/>
+              </a:rPr>
+              <a:t>動畫角色參加了畫展，身高瘦長，穿著白色襯衫，打紅領帶，穿著深藍吊帶褲子，帶著雪人頭套，頭上有一個小小的三角形棕色帽子，眼睛是純藍色，黑色的三角形鼻子，紅色嘴巴，背後許多人喝采，背景也需要是動畫風格</a:t>
+            </a:r>
+            <a:endParaRPr lang="en-US" altLang="zh-TW" sz="1200" b="1" i="0" kern="1200" dirty="0">
+              <a:solidFill>
+                <a:schemeClr val="tx1"/>
+              </a:solidFill>
+              <a:effectLst/>
+              <a:latin typeface="+mn-lt"/>
+              <a:ea typeface="+mn-ea"/>
+              <a:cs typeface="+mn-cs"/>
+            </a:endParaRPr>
+          </a:p>
+          <a:p>
+            <a:endParaRPr lang="en-US" altLang="zh-TW" sz="1200" b="1" i="0" kern="1200" dirty="0">
+              <a:solidFill>
+                <a:schemeClr val="tx1"/>
+              </a:solidFill>
+              <a:effectLst/>
+              <a:latin typeface="+mn-lt"/>
+              <a:ea typeface="+mn-ea"/>
+              <a:cs typeface="+mn-cs"/>
+            </a:endParaRPr>
+          </a:p>
+          <a:p>
+            <a:r>
+              <a:rPr lang="zh-TW" altLang="en-US" dirty="0"/>
+              <a:t>幾年後</a:t>
+            </a:r>
+            <a:r>
+              <a:rPr lang="en-US" altLang="zh-TW" dirty="0"/>
+              <a:t>,</a:t>
+            </a:r>
+            <a:r>
+              <a:rPr lang="zh-TW" altLang="en-US" dirty="0"/>
+              <a:t>成功舉辦了自己的首次個人畫展</a:t>
+            </a:r>
+            <a:r>
+              <a:rPr lang="en-US" altLang="zh-TW" dirty="0"/>
+              <a:t>,</a:t>
+            </a:r>
+            <a:r>
+              <a:rPr lang="zh-TW" altLang="en-US" dirty="0"/>
+              <a:t>獲得了評論界的一致好評。不僅實現了成為畫家的夢想</a:t>
+            </a:r>
+            <a:r>
+              <a:rPr lang="en-US" altLang="zh-TW" dirty="0"/>
+              <a:t>,</a:t>
+            </a:r>
+            <a:r>
+              <a:rPr lang="zh-TW" altLang="en-US" dirty="0"/>
+              <a:t>還在藝術界站穩了腳跟。</a:t>
+            </a:r>
+          </a:p>
+        </p:txBody>
+      </p:sp>
+      <p:sp>
+        <p:nvSpPr>
+          <p:cNvPr id="4" name="投影片編號版面配置區 3"/>
+          <p:cNvSpPr>
+            <a:spLocks noGrp="1"/>
+          </p:cNvSpPr>
+          <p:nvPr>
+            <p:ph type="sldNum" sz="quarter" idx="5"/>
+          </p:nvPr>
+        </p:nvSpPr>
+        <p:spPr/>
+        <p:txBody>
+          <a:bodyPr/>
+          <a:lstStyle/>
+          <a:p>
+            <a:pPr marL="0" marR="0" lvl="0" indent="0" algn="r" defTabSz="914400" rtl="0" eaLnBrk="1" fontAlgn="auto" latinLnBrk="0" hangingPunct="1">
+              <a:lnSpc>
+                <a:spcPct val="100000"/>
+              </a:lnSpc>
+              <a:spcBef>
+                <a:spcPts val="0"/>
+              </a:spcBef>
+              <a:spcAft>
+                <a:spcPts val="0"/>
+              </a:spcAft>
+              <a:buClrTx/>
+              <a:buSzTx/>
+              <a:buFontTx/>
+              <a:buNone/>
+              <a:tabLst/>
+              <a:defRPr/>
+            </a:pPr>
+            <a:fld id="{11565D60-3C2A-4B9D-8ECF-EF1600ABA2C5}" type="slidenum">
+              <a:rPr kumimoji="0" lang="zh-TW" altLang="en-US" sz="1200" b="0" i="0" u="none" strike="noStrike" kern="1200" cap="none" spc="0" normalizeH="0" baseline="0" noProof="0" smtClean="0">
+                <a:ln>
+                  <a:noFill/>
+                </a:ln>
+                <a:solidFill>
+                  <a:prstClr val="black"/>
+                </a:solidFill>
+                <a:effectLst/>
+                <a:uLnTx/>
+                <a:uFillTx/>
+                <a:latin typeface="Calibri" panose="020F0502020204030204"/>
+                <a:ea typeface="新細明體" panose="02020500000000000000" pitchFamily="18" charset="-120"/>
+                <a:cs typeface="+mn-cs"/>
+              </a:rPr>
+              <a:pPr marL="0" marR="0" lvl="0" indent="0" algn="r" defTabSz="914400" rtl="0" eaLnBrk="1" fontAlgn="auto" latinLnBrk="0" hangingPunct="1">
+                <a:lnSpc>
+                  <a:spcPct val="100000"/>
+                </a:lnSpc>
+                <a:spcBef>
+                  <a:spcPts val="0"/>
+                </a:spcBef>
+                <a:spcAft>
+                  <a:spcPts val="0"/>
+                </a:spcAft>
+                <a:buClrTx/>
+                <a:buSzTx/>
+                <a:buFontTx/>
+                <a:buNone/>
+                <a:tabLst/>
+                <a:defRPr/>
+              </a:pPr>
+              <a:t>7</a:t>
+            </a:fld>
+            <a:endParaRPr kumimoji="0" lang="zh-TW" altLang="en-US" sz="1200" b="0" i="0" u="none" strike="noStrike" kern="1200" cap="none" spc="0" normalizeH="0" baseline="0" noProof="0">
+              <a:ln>
+                <a:noFill/>
+              </a:ln>
+              <a:solidFill>
+                <a:prstClr val="black"/>
+              </a:solidFill>
+              <a:effectLst/>
+              <a:uLnTx/>
+              <a:uFillTx/>
+              <a:latin typeface="Calibri" panose="020F0502020204030204"/>
+              <a:ea typeface="新細明體" panose="02020500000000000000" pitchFamily="18" charset="-120"/>
+              <a:cs typeface="+mn-cs"/>
+            </a:endParaRPr>
+          </a:p>
+        </p:txBody>
+      </p:sp>
+    </p:spTree>
+    <p:extLst>
+      <p:ext uri="{BB962C8B-B14F-4D97-AF65-F5344CB8AC3E}">
+        <p14:creationId xmlns:p14="http://schemas.microsoft.com/office/powerpoint/2010/main" val="2341490301"/>
+      </p:ext>
+    </p:extLst>
+  </p:cSld>
+  <p:clrMapOvr>
+    <a:masterClrMapping/>
+  </p:clrMapOvr>
+</p:notes>
+</file>
+
+<file path=ppt/notesSlides/notesSlide7.xml><?xml version="1.0" encoding="utf-8"?>
+<p:notes xmlns:a="http://schemas.openxmlformats.org/drawingml/2006/main" xmlns:r="http://schemas.openxmlformats.org/officeDocument/2006/relationships" xmlns:p="http://schemas.openxmlformats.org/presentationml/2006/main">
+  <p:cSld>
+    <p:spTree>
+      <p:nvGrpSpPr>
+        <p:cNvPr id="1" name=""/>
+        <p:cNvGrpSpPr/>
+        <p:nvPr/>
+      </p:nvGrpSpPr>
+      <p:grpSpPr>
+        <a:xfrm>
+          <a:off x="0" y="0"/>
+          <a:ext cx="0" cy="0"/>
+          <a:chOff x="0" y="0"/>
+          <a:chExt cx="0" cy="0"/>
+        </a:xfrm>
+      </p:grpSpPr>
+      <p:sp>
+        <p:nvSpPr>
+          <p:cNvPr id="2" name="投影片影像版面配置區 1"/>
+          <p:cNvSpPr>
+            <a:spLocks noGrp="1" noRot="1" noChangeAspect="1"/>
+          </p:cNvSpPr>
+          <p:nvPr>
+            <p:ph type="sldImg"/>
+          </p:nvPr>
+        </p:nvSpPr>
+        <p:spPr/>
+      </p:sp>
+      <p:sp>
+        <p:nvSpPr>
+          <p:cNvPr id="3" name="備忘稿版面配置區 2"/>
+          <p:cNvSpPr>
+            <a:spLocks noGrp="1"/>
+          </p:cNvSpPr>
+          <p:nvPr>
+            <p:ph type="body" idx="1"/>
+          </p:nvPr>
+        </p:nvSpPr>
+        <p:spPr/>
+        <p:txBody>
+          <a:bodyPr/>
+          <a:lstStyle/>
+          <a:p>
+            <a:r>
+              <a:rPr lang="zh-TW" altLang="en-US" sz="1200" b="1" i="0" kern="1200" dirty="0">
+                <a:solidFill>
+                  <a:schemeClr val="tx1"/>
+                </a:solidFill>
+                <a:effectLst/>
+                <a:latin typeface="+mn-lt"/>
+                <a:ea typeface="+mn-ea"/>
+                <a:cs typeface="+mn-cs"/>
+              </a:rPr>
+              <a:t>一位日本</a:t>
+            </a:r>
+            <a:r>
+              <a:rPr lang="en-US" altLang="zh-TW" sz="1200" b="1" i="0" kern="1200" dirty="0">
+                <a:solidFill>
+                  <a:schemeClr val="tx1"/>
+                </a:solidFill>
+                <a:effectLst/>
+                <a:latin typeface="+mn-lt"/>
+                <a:ea typeface="+mn-ea"/>
+                <a:cs typeface="+mn-cs"/>
+              </a:rPr>
+              <a:t>2D</a:t>
+            </a:r>
+            <a:r>
+              <a:rPr lang="zh-TW" altLang="en-US" sz="1200" b="1" i="0" kern="1200" dirty="0">
+                <a:solidFill>
+                  <a:schemeClr val="tx1"/>
+                </a:solidFill>
+                <a:effectLst/>
+                <a:latin typeface="+mn-lt"/>
+                <a:ea typeface="+mn-ea"/>
+                <a:cs typeface="+mn-cs"/>
+              </a:rPr>
+              <a:t>動畫角色，身高瘦長，穿著白色襯衫，打紅領帶，穿著深藍吊帶褲子，帶著雪人頭套，頭上有一個小小的三角形棕色帽子，眼睛是純藍色，黑色的三角形鼻子，紅色的笑容，站在畫室中</a:t>
+            </a:r>
+            <a:endParaRPr lang="en-US" altLang="zh-TW" sz="1200" b="1" i="0" kern="1200" dirty="0">
+              <a:solidFill>
+                <a:schemeClr val="tx1"/>
+              </a:solidFill>
+              <a:effectLst/>
+              <a:latin typeface="+mn-lt"/>
+              <a:ea typeface="+mn-ea"/>
+              <a:cs typeface="+mn-cs"/>
+            </a:endParaRPr>
+          </a:p>
+          <a:p>
+            <a:endParaRPr lang="en-US" altLang="zh-TW" sz="1200" b="1" i="0" kern="1200" dirty="0">
+              <a:solidFill>
+                <a:schemeClr val="tx1"/>
+              </a:solidFill>
+              <a:effectLst/>
+              <a:latin typeface="+mn-lt"/>
+              <a:ea typeface="+mn-ea"/>
+              <a:cs typeface="+mn-cs"/>
+            </a:endParaRPr>
+          </a:p>
+          <a:p>
+            <a:r>
+              <a:rPr lang="zh-TW" altLang="en-US" dirty="0"/>
+              <a:t>這段經歷讓我明白</a:t>
+            </a:r>
+            <a:r>
+              <a:rPr lang="en-US" altLang="zh-TW" dirty="0"/>
+              <a:t>,</a:t>
+            </a:r>
+            <a:r>
+              <a:rPr lang="zh-TW" altLang="en-US" dirty="0"/>
+              <a:t>追求夢想的道路上總會遇到挫折</a:t>
+            </a:r>
+            <a:r>
+              <a:rPr lang="en-US" altLang="zh-TW" dirty="0"/>
+              <a:t>,</a:t>
+            </a:r>
+            <a:r>
+              <a:rPr lang="zh-TW" altLang="en-US" dirty="0"/>
+              <a:t>但只要保持熱情和毅力</a:t>
+            </a:r>
+            <a:r>
+              <a:rPr lang="en-US" altLang="zh-TW" dirty="0"/>
+              <a:t>,</a:t>
+            </a:r>
+            <a:r>
+              <a:rPr lang="zh-TW" altLang="en-US" dirty="0"/>
+              <a:t>就一定能找到屬於自己的成功之路。</a:t>
+            </a:r>
+          </a:p>
+        </p:txBody>
+      </p:sp>
+      <p:sp>
+        <p:nvSpPr>
+          <p:cNvPr id="4" name="投影片編號版面配置區 3"/>
+          <p:cNvSpPr>
+            <a:spLocks noGrp="1"/>
+          </p:cNvSpPr>
+          <p:nvPr>
+            <p:ph type="sldNum" sz="quarter" idx="5"/>
+          </p:nvPr>
+        </p:nvSpPr>
+        <p:spPr/>
+        <p:txBody>
+          <a:bodyPr/>
+          <a:lstStyle/>
+          <a:p>
+            <a:pPr marL="0" marR="0" lvl="0" indent="0" algn="r" defTabSz="914400" rtl="0" eaLnBrk="1" fontAlgn="auto" latinLnBrk="0" hangingPunct="1">
+              <a:lnSpc>
+                <a:spcPct val="100000"/>
+              </a:lnSpc>
+              <a:spcBef>
+                <a:spcPts val="0"/>
+              </a:spcBef>
+              <a:spcAft>
+                <a:spcPts val="0"/>
+              </a:spcAft>
+              <a:buClrTx/>
+              <a:buSzTx/>
+              <a:buFontTx/>
+              <a:buNone/>
+              <a:tabLst/>
+              <a:defRPr/>
+            </a:pPr>
+            <a:fld id="{11565D60-3C2A-4B9D-8ECF-EF1600ABA2C5}" type="slidenum">
+              <a:rPr kumimoji="0" lang="zh-TW" altLang="en-US" sz="1200" b="0" i="0" u="none" strike="noStrike" kern="1200" cap="none" spc="0" normalizeH="0" baseline="0" noProof="0" smtClean="0">
+                <a:ln>
+                  <a:noFill/>
+                </a:ln>
+                <a:solidFill>
+                  <a:prstClr val="black"/>
+                </a:solidFill>
+                <a:effectLst/>
+                <a:uLnTx/>
+                <a:uFillTx/>
+                <a:latin typeface="Calibri" panose="020F0502020204030204"/>
+                <a:ea typeface="新細明體" panose="02020500000000000000" pitchFamily="18" charset="-120"/>
+                <a:cs typeface="+mn-cs"/>
+              </a:rPr>
+              <a:pPr marL="0" marR="0" lvl="0" indent="0" algn="r" defTabSz="914400" rtl="0" eaLnBrk="1" fontAlgn="auto" latinLnBrk="0" hangingPunct="1">
+                <a:lnSpc>
+                  <a:spcPct val="100000"/>
+                </a:lnSpc>
+                <a:spcBef>
+                  <a:spcPts val="0"/>
+                </a:spcBef>
+                <a:spcAft>
+                  <a:spcPts val="0"/>
+                </a:spcAft>
+                <a:buClrTx/>
+                <a:buSzTx/>
+                <a:buFontTx/>
+                <a:buNone/>
+                <a:tabLst/>
+                <a:defRPr/>
+              </a:pPr>
+              <a:t>8</a:t>
+            </a:fld>
+            <a:endParaRPr kumimoji="0" lang="zh-TW" altLang="en-US" sz="1200" b="0" i="0" u="none" strike="noStrike" kern="1200" cap="none" spc="0" normalizeH="0" baseline="0" noProof="0">
+              <a:ln>
+                <a:noFill/>
+              </a:ln>
+              <a:solidFill>
+                <a:prstClr val="black"/>
+              </a:solidFill>
+              <a:effectLst/>
+              <a:uLnTx/>
+              <a:uFillTx/>
+              <a:latin typeface="Calibri" panose="020F0502020204030204"/>
+              <a:ea typeface="新細明體" panose="02020500000000000000" pitchFamily="18" charset="-120"/>
+              <a:cs typeface="+mn-cs"/>
+            </a:endParaRPr>
+          </a:p>
+        </p:txBody>
+      </p:sp>
+    </p:spTree>
+    <p:extLst>
+      <p:ext uri="{BB962C8B-B14F-4D97-AF65-F5344CB8AC3E}">
+        <p14:creationId xmlns:p14="http://schemas.microsoft.com/office/powerpoint/2010/main" val="234124086"/>
+      </p:ext>
+    </p:extLst>
+  </p:cSld>
+  <p:clrMapOvr>
+    <a:masterClrMapping/>
+  </p:clrMapOvr>
+</p:notes>
 </file>
 
 <file path=ppt/slideLayouts/slideLayout1.xml><?xml version="1.0" encoding="utf-8"?>
@@ -254,7 +2156,7 @@
           <a:p>
             <a:fld id="{C3C90D7E-32D6-4894-AE08-7BBB3E610FC9}" type="datetimeFigureOut">
               <a:rPr lang="zh-TW" altLang="en-US" smtClean="0"/>
-              <a:t>2024/9/16</a:t>
+              <a:t>2024/10/19</a:t>
             </a:fld>
             <a:endParaRPr lang="zh-TW" altLang="en-US"/>
           </a:p>
@@ -452,7 +2354,7 @@
           <a:p>
             <a:fld id="{C3C90D7E-32D6-4894-AE08-7BBB3E610FC9}" type="datetimeFigureOut">
               <a:rPr lang="zh-TW" altLang="en-US" smtClean="0"/>
-              <a:t>2024/9/16</a:t>
+              <a:t>2024/10/19</a:t>
             </a:fld>
             <a:endParaRPr lang="zh-TW" altLang="en-US"/>
           </a:p>
@@ -660,7 +2562,7 @@
           <a:p>
             <a:fld id="{C3C90D7E-32D6-4894-AE08-7BBB3E610FC9}" type="datetimeFigureOut">
               <a:rPr lang="zh-TW" altLang="en-US" smtClean="0"/>
-              <a:t>2024/9/16</a:t>
+              <a:t>2024/10/19</a:t>
             </a:fld>
             <a:endParaRPr lang="zh-TW" altLang="en-US"/>
           </a:p>
@@ -858,7 +2760,7 @@
           <a:p>
             <a:fld id="{C3C90D7E-32D6-4894-AE08-7BBB3E610FC9}" type="datetimeFigureOut">
               <a:rPr lang="zh-TW" altLang="en-US" smtClean="0"/>
-              <a:t>2024/9/16</a:t>
+              <a:t>2024/10/19</a:t>
             </a:fld>
             <a:endParaRPr lang="zh-TW" altLang="en-US"/>
           </a:p>
@@ -1133,7 +3035,7 @@
           <a:p>
             <a:fld id="{C3C90D7E-32D6-4894-AE08-7BBB3E610FC9}" type="datetimeFigureOut">
               <a:rPr lang="zh-TW" altLang="en-US" smtClean="0"/>
-              <a:t>2024/9/16</a:t>
+              <a:t>2024/10/19</a:t>
             </a:fld>
             <a:endParaRPr lang="zh-TW" altLang="en-US"/>
           </a:p>
@@ -1398,7 +3300,7 @@
           <a:p>
             <a:fld id="{C3C90D7E-32D6-4894-AE08-7BBB3E610FC9}" type="datetimeFigureOut">
               <a:rPr lang="zh-TW" altLang="en-US" smtClean="0"/>
-              <a:t>2024/9/16</a:t>
+              <a:t>2024/10/19</a:t>
             </a:fld>
             <a:endParaRPr lang="zh-TW" altLang="en-US"/>
           </a:p>
@@ -1810,7 +3712,7 @@
           <a:p>
             <a:fld id="{C3C90D7E-32D6-4894-AE08-7BBB3E610FC9}" type="datetimeFigureOut">
               <a:rPr lang="zh-TW" altLang="en-US" smtClean="0"/>
-              <a:t>2024/9/16</a:t>
+              <a:t>2024/10/19</a:t>
             </a:fld>
             <a:endParaRPr lang="zh-TW" altLang="en-US"/>
           </a:p>
@@ -1951,7 +3853,7 @@
           <a:p>
             <a:fld id="{C3C90D7E-32D6-4894-AE08-7BBB3E610FC9}" type="datetimeFigureOut">
               <a:rPr lang="zh-TW" altLang="en-US" smtClean="0"/>
-              <a:t>2024/9/16</a:t>
+              <a:t>2024/10/19</a:t>
             </a:fld>
             <a:endParaRPr lang="zh-TW" altLang="en-US"/>
           </a:p>
@@ -2064,7 +3966,7 @@
           <a:p>
             <a:fld id="{C3C90D7E-32D6-4894-AE08-7BBB3E610FC9}" type="datetimeFigureOut">
               <a:rPr lang="zh-TW" altLang="en-US" smtClean="0"/>
-              <a:t>2024/9/16</a:t>
+              <a:t>2024/10/19</a:t>
             </a:fld>
             <a:endParaRPr lang="zh-TW" altLang="en-US"/>
           </a:p>
@@ -2375,7 +4277,7 @@
           <a:p>
             <a:fld id="{C3C90D7E-32D6-4894-AE08-7BBB3E610FC9}" type="datetimeFigureOut">
               <a:rPr lang="zh-TW" altLang="en-US" smtClean="0"/>
-              <a:t>2024/9/16</a:t>
+              <a:t>2024/10/19</a:t>
             </a:fld>
             <a:endParaRPr lang="zh-TW" altLang="en-US"/>
           </a:p>
@@ -2663,7 +4565,7 @@
           <a:p>
             <a:fld id="{C3C90D7E-32D6-4894-AE08-7BBB3E610FC9}" type="datetimeFigureOut">
               <a:rPr lang="zh-TW" altLang="en-US" smtClean="0"/>
-              <a:t>2024/9/16</a:t>
+              <a:t>2024/10/19</a:t>
             </a:fld>
             <a:endParaRPr lang="zh-TW" altLang="en-US"/>
           </a:p>
@@ -2904,7 +4806,7 @@
           <a:p>
             <a:fld id="{C3C90D7E-32D6-4894-AE08-7BBB3E610FC9}" type="datetimeFigureOut">
               <a:rPr lang="zh-TW" altLang="en-US" smtClean="0"/>
-              <a:t>2024/9/16</a:t>
+              <a:t>2024/10/19</a:t>
             </a:fld>
             <a:endParaRPr lang="zh-TW" altLang="en-US"/>
           </a:p>
@@ -3307,6 +5209,18 @@
 <file path=ppt/slides/slide1.xml><?xml version="1.0" encoding="utf-8"?>
 <p:sld xmlns:a="http://schemas.openxmlformats.org/drawingml/2006/main" xmlns:r="http://schemas.openxmlformats.org/officeDocument/2006/relationships" xmlns:p="http://schemas.openxmlformats.org/presentationml/2006/main">
   <p:cSld>
+    <p:bg>
+      <p:bgPr>
+        <a:solidFill>
+          <a:schemeClr val="accent1">
+            <a:lumMod val="60000"/>
+            <a:lumOff val="40000"/>
+            <a:alpha val="80000"/>
+          </a:schemeClr>
+        </a:solidFill>
+        <a:effectLst/>
+      </p:bgPr>
+    </p:bg>
     <p:spTree>
       <p:nvGrpSpPr>
         <p:cNvPr id="1" name=""/>
@@ -3342,7 +5256,18 @@
           <a:bodyPr/>
           <a:lstStyle/>
           <a:p>
-            <a:endParaRPr lang="zh-TW" altLang="en-US"/>
+            <a:r>
+              <a:rPr lang="zh-TW" altLang="en-US" dirty="0"/>
+              <a:t> </a:t>
+            </a:r>
+            <a:r>
+              <a:rPr lang="zh-TW" altLang="en-US" b="1" dirty="0">
+                <a:latin typeface="微軟正黑體" panose="020B0604030504040204" pitchFamily="34" charset="-120"/>
+                <a:ea typeface="微軟正黑體" panose="020B0604030504040204" pitchFamily="34" charset="-120"/>
+                <a:cs typeface="Arial" panose="020B0604020202020204" pitchFamily="34" charset="0"/>
+              </a:rPr>
+              <a:t>冒險故事</a:t>
+            </a:r>
           </a:p>
         </p:txBody>
       </p:sp>
@@ -3367,14 +5292,1092 @@
           <a:bodyPr/>
           <a:lstStyle/>
           <a:p>
-            <a:endParaRPr lang="zh-TW" altLang="en-US"/>
+            <a:endParaRPr lang="zh-TW" altLang="en-US" dirty="0"/>
           </a:p>
         </p:txBody>
       </p:sp>
     </p:spTree>
     <p:extLst>
       <p:ext uri="{BB962C8B-B14F-4D97-AF65-F5344CB8AC3E}">
-        <p14:creationId xmlns:p14="http://schemas.microsoft.com/office/powerpoint/2010/main" val="1328321055"/>
+        <p14:creationId xmlns:p14="http://schemas.microsoft.com/office/powerpoint/2010/main" val="2985684300"/>
+      </p:ext>
+    </p:extLst>
+  </p:cSld>
+  <p:clrMapOvr>
+    <a:masterClrMapping/>
+  </p:clrMapOvr>
+</p:sld>
+</file>
+
+<file path=ppt/slides/slide2.xml><?xml version="1.0" encoding="utf-8"?>
+<p:sld xmlns:a="http://schemas.openxmlformats.org/drawingml/2006/main" xmlns:r="http://schemas.openxmlformats.org/officeDocument/2006/relationships" xmlns:p="http://schemas.openxmlformats.org/presentationml/2006/main">
+  <p:cSld>
+    <p:bg>
+      <p:bgPr>
+        <a:solidFill>
+          <a:schemeClr val="accent1">
+            <a:lumMod val="60000"/>
+            <a:lumOff val="40000"/>
+          </a:schemeClr>
+        </a:solidFill>
+        <a:effectLst/>
+      </p:bgPr>
+    </p:bg>
+    <p:spTree>
+      <p:nvGrpSpPr>
+        <p:cNvPr id="1" name=""/>
+        <p:cNvGrpSpPr/>
+        <p:nvPr/>
+      </p:nvGrpSpPr>
+      <p:grpSpPr>
+        <a:xfrm>
+          <a:off x="0" y="0"/>
+          <a:ext cx="0" cy="0"/>
+          <a:chOff x="0" y="0"/>
+          <a:chExt cx="0" cy="0"/>
+        </a:xfrm>
+      </p:grpSpPr>
+      <p:sp>
+        <p:nvSpPr>
+          <p:cNvPr id="2" name="標題 1">
+            <a:extLst>
+              <a:ext uri="{FF2B5EF4-FFF2-40B4-BE49-F238E27FC236}">
+                <a16:creationId xmlns:a16="http://schemas.microsoft.com/office/drawing/2014/main" id="{32532283-9F93-4E44-8138-32796965361F}"/>
+              </a:ext>
+            </a:extLst>
+          </p:cNvPr>
+          <p:cNvSpPr>
+            <a:spLocks noGrp="1"/>
+          </p:cNvSpPr>
+          <p:nvPr>
+            <p:ph type="ctrTitle"/>
+          </p:nvPr>
+        </p:nvSpPr>
+        <p:spPr>
+          <a:xfrm>
+            <a:off x="334978" y="497941"/>
+            <a:ext cx="1816729" cy="776334"/>
+          </a:xfrm>
+        </p:spPr>
+        <p:txBody>
+          <a:bodyPr>
+            <a:normAutofit/>
+          </a:bodyPr>
+          <a:lstStyle/>
+          <a:p>
+            <a:r>
+              <a:rPr lang="en-US" altLang="zh-TW" sz="4000" dirty="0">
+                <a:latin typeface="Arial" panose="020B0604020202020204" pitchFamily="34" charset="0"/>
+                <a:ea typeface="微軟正黑體" panose="020B0604030504040204" pitchFamily="34" charset="-120"/>
+                <a:cs typeface="Arial" panose="020B0604020202020204" pitchFamily="34" charset="0"/>
+              </a:rPr>
+              <a:t>1.</a:t>
+            </a:r>
+            <a:r>
+              <a:rPr lang="zh-TW" altLang="en-US" sz="4000" b="1" dirty="0">
+                <a:latin typeface="Arial" panose="020B0604020202020204" pitchFamily="34" charset="0"/>
+                <a:ea typeface="微軟正黑體" panose="020B0604030504040204" pitchFamily="34" charset="-120"/>
+                <a:cs typeface="Arial" panose="020B0604020202020204" pitchFamily="34" charset="0"/>
+              </a:rPr>
+              <a:t>目標</a:t>
+            </a:r>
+          </a:p>
+        </p:txBody>
+      </p:sp>
+      <p:sp>
+        <p:nvSpPr>
+          <p:cNvPr id="3" name="副標題 2">
+            <a:extLst>
+              <a:ext uri="{FF2B5EF4-FFF2-40B4-BE49-F238E27FC236}">
+                <a16:creationId xmlns:a16="http://schemas.microsoft.com/office/drawing/2014/main" id="{8C946F38-524D-4B98-B9CB-80AEE57E455A}"/>
+              </a:ext>
+            </a:extLst>
+          </p:cNvPr>
+          <p:cNvSpPr>
+            <a:spLocks noGrp="1"/>
+          </p:cNvSpPr>
+          <p:nvPr>
+            <p:ph type="subTitle" idx="1"/>
+          </p:nvPr>
+        </p:nvSpPr>
+        <p:spPr>
+          <a:xfrm>
+            <a:off x="334978" y="1274275"/>
+            <a:ext cx="5761022" cy="5085784"/>
+          </a:xfrm>
+        </p:spPr>
+        <p:txBody>
+          <a:bodyPr/>
+          <a:lstStyle/>
+          <a:p>
+            <a:endParaRPr lang="zh-TW" altLang="en-US" dirty="0"/>
+          </a:p>
+        </p:txBody>
+      </p:sp>
+      <p:pic>
+        <p:nvPicPr>
+          <p:cNvPr id="5" name="圖片 4">
+            <a:extLst>
+              <a:ext uri="{FF2B5EF4-FFF2-40B4-BE49-F238E27FC236}">
+                <a16:creationId xmlns:a16="http://schemas.microsoft.com/office/drawing/2014/main" id="{39E820FA-0A8D-492C-A0A1-C5395E55872E}"/>
+              </a:ext>
+            </a:extLst>
+          </p:cNvPr>
+          <p:cNvPicPr>
+            <a:picLocks noChangeAspect="1"/>
+          </p:cNvPicPr>
+          <p:nvPr/>
+        </p:nvPicPr>
+        <p:blipFill>
+          <a:blip r:embed="rId3">
+            <a:extLst>
+              <a:ext uri="{28A0092B-C50C-407E-A947-70E740481C1C}">
+                <a14:useLocalDpi xmlns:a14="http://schemas.microsoft.com/office/drawing/2010/main" val="0"/>
+              </a:ext>
+            </a:extLst>
+          </a:blip>
+          <a:stretch>
+            <a:fillRect/>
+          </a:stretch>
+        </p:blipFill>
+        <p:spPr>
+          <a:xfrm>
+            <a:off x="1050202" y="1390838"/>
+            <a:ext cx="4852658" cy="4852658"/>
+          </a:xfrm>
+          <a:prstGeom prst="rect">
+            <a:avLst/>
+          </a:prstGeom>
+        </p:spPr>
+      </p:pic>
+    </p:spTree>
+    <p:extLst>
+      <p:ext uri="{BB962C8B-B14F-4D97-AF65-F5344CB8AC3E}">
+        <p14:creationId xmlns:p14="http://schemas.microsoft.com/office/powerpoint/2010/main" val="2790339478"/>
+      </p:ext>
+    </p:extLst>
+  </p:cSld>
+  <p:clrMapOvr>
+    <a:masterClrMapping/>
+  </p:clrMapOvr>
+</p:sld>
+</file>
+
+<file path=ppt/slides/slide3.xml><?xml version="1.0" encoding="utf-8"?>
+<p:sld xmlns:a="http://schemas.openxmlformats.org/drawingml/2006/main" xmlns:r="http://schemas.openxmlformats.org/officeDocument/2006/relationships" xmlns:p="http://schemas.openxmlformats.org/presentationml/2006/main">
+  <p:cSld>
+    <p:bg>
+      <p:bgPr>
+        <a:solidFill>
+          <a:schemeClr val="accent1">
+            <a:lumMod val="60000"/>
+            <a:lumOff val="40000"/>
+          </a:schemeClr>
+        </a:solidFill>
+        <a:effectLst/>
+      </p:bgPr>
+    </p:bg>
+    <p:spTree>
+      <p:nvGrpSpPr>
+        <p:cNvPr id="1" name=""/>
+        <p:cNvGrpSpPr/>
+        <p:nvPr/>
+      </p:nvGrpSpPr>
+      <p:grpSpPr>
+        <a:xfrm>
+          <a:off x="0" y="0"/>
+          <a:ext cx="0" cy="0"/>
+          <a:chOff x="0" y="0"/>
+          <a:chExt cx="0" cy="0"/>
+        </a:xfrm>
+      </p:grpSpPr>
+      <p:sp>
+        <p:nvSpPr>
+          <p:cNvPr id="2" name="標題 1">
+            <a:extLst>
+              <a:ext uri="{FF2B5EF4-FFF2-40B4-BE49-F238E27FC236}">
+                <a16:creationId xmlns:a16="http://schemas.microsoft.com/office/drawing/2014/main" id="{32532283-9F93-4E44-8138-32796965361F}"/>
+              </a:ext>
+            </a:extLst>
+          </p:cNvPr>
+          <p:cNvSpPr>
+            <a:spLocks noGrp="1"/>
+          </p:cNvSpPr>
+          <p:nvPr>
+            <p:ph type="ctrTitle"/>
+          </p:nvPr>
+        </p:nvSpPr>
+        <p:spPr>
+          <a:xfrm>
+            <a:off x="334978" y="497941"/>
+            <a:ext cx="1816729" cy="776334"/>
+          </a:xfrm>
+        </p:spPr>
+        <p:txBody>
+          <a:bodyPr>
+            <a:normAutofit/>
+          </a:bodyPr>
+          <a:lstStyle/>
+          <a:p>
+            <a:r>
+              <a:rPr lang="en-US" altLang="zh-TW" sz="4000" dirty="0">
+                <a:latin typeface="Arial" panose="020B0604020202020204" pitchFamily="34" charset="0"/>
+                <a:ea typeface="微軟正黑體" panose="020B0604030504040204" pitchFamily="34" charset="-120"/>
+                <a:cs typeface="Arial" panose="020B0604020202020204" pitchFamily="34" charset="0"/>
+              </a:rPr>
+              <a:t>2.</a:t>
+            </a:r>
+            <a:r>
+              <a:rPr lang="zh-TW" altLang="en-US" sz="4000" b="1" dirty="0">
+                <a:latin typeface="Arial" panose="020B0604020202020204" pitchFamily="34" charset="0"/>
+                <a:ea typeface="微軟正黑體" panose="020B0604030504040204" pitchFamily="34" charset="-120"/>
+                <a:cs typeface="Arial" panose="020B0604020202020204" pitchFamily="34" charset="0"/>
+              </a:rPr>
+              <a:t>阻礙</a:t>
+            </a:r>
+          </a:p>
+        </p:txBody>
+      </p:sp>
+      <p:sp>
+        <p:nvSpPr>
+          <p:cNvPr id="3" name="副標題 2">
+            <a:extLst>
+              <a:ext uri="{FF2B5EF4-FFF2-40B4-BE49-F238E27FC236}">
+                <a16:creationId xmlns:a16="http://schemas.microsoft.com/office/drawing/2014/main" id="{8C946F38-524D-4B98-B9CB-80AEE57E455A}"/>
+              </a:ext>
+            </a:extLst>
+          </p:cNvPr>
+          <p:cNvSpPr>
+            <a:spLocks noGrp="1"/>
+          </p:cNvSpPr>
+          <p:nvPr>
+            <p:ph type="subTitle" idx="1"/>
+          </p:nvPr>
+        </p:nvSpPr>
+        <p:spPr>
+          <a:xfrm>
+            <a:off x="334978" y="1274275"/>
+            <a:ext cx="5761022" cy="5085784"/>
+          </a:xfrm>
+        </p:spPr>
+        <p:txBody>
+          <a:bodyPr/>
+          <a:lstStyle/>
+          <a:p>
+            <a:endParaRPr lang="zh-TW" altLang="en-US" dirty="0"/>
+          </a:p>
+        </p:txBody>
+      </p:sp>
+      <p:pic>
+        <p:nvPicPr>
+          <p:cNvPr id="6" name="圖片 5">
+            <a:extLst>
+              <a:ext uri="{FF2B5EF4-FFF2-40B4-BE49-F238E27FC236}">
+                <a16:creationId xmlns:a16="http://schemas.microsoft.com/office/drawing/2014/main" id="{C17A5F08-06E0-4C2A-A5E9-32F5F51C0921}"/>
+              </a:ext>
+            </a:extLst>
+          </p:cNvPr>
+          <p:cNvPicPr>
+            <a:picLocks noChangeAspect="1"/>
+          </p:cNvPicPr>
+          <p:nvPr/>
+        </p:nvPicPr>
+        <p:blipFill>
+          <a:blip r:embed="rId3">
+            <a:extLst>
+              <a:ext uri="{28A0092B-C50C-407E-A947-70E740481C1C}">
+                <a14:useLocalDpi xmlns:a14="http://schemas.microsoft.com/office/drawing/2010/main" val="0"/>
+              </a:ext>
+            </a:extLst>
+          </a:blip>
+          <a:stretch>
+            <a:fillRect/>
+          </a:stretch>
+        </p:blipFill>
+        <p:spPr>
+          <a:xfrm>
+            <a:off x="1051200" y="1390767"/>
+            <a:ext cx="4852800" cy="4852800"/>
+          </a:xfrm>
+          <a:prstGeom prst="rect">
+            <a:avLst/>
+          </a:prstGeom>
+        </p:spPr>
+      </p:pic>
+    </p:spTree>
+    <p:extLst>
+      <p:ext uri="{BB962C8B-B14F-4D97-AF65-F5344CB8AC3E}">
+        <p14:creationId xmlns:p14="http://schemas.microsoft.com/office/powerpoint/2010/main" val="3585117424"/>
+      </p:ext>
+    </p:extLst>
+  </p:cSld>
+  <p:clrMapOvr>
+    <a:masterClrMapping/>
+  </p:clrMapOvr>
+</p:sld>
+</file>
+
+<file path=ppt/slides/slide4.xml><?xml version="1.0" encoding="utf-8"?>
+<p:sld xmlns:a="http://schemas.openxmlformats.org/drawingml/2006/main" xmlns:r="http://schemas.openxmlformats.org/officeDocument/2006/relationships" xmlns:p="http://schemas.openxmlformats.org/presentationml/2006/main">
+  <p:cSld>
+    <p:bg>
+      <p:bgPr>
+        <a:solidFill>
+          <a:schemeClr val="accent1">
+            <a:lumMod val="60000"/>
+            <a:lumOff val="40000"/>
+          </a:schemeClr>
+        </a:solidFill>
+        <a:effectLst/>
+      </p:bgPr>
+    </p:bg>
+    <p:spTree>
+      <p:nvGrpSpPr>
+        <p:cNvPr id="1" name=""/>
+        <p:cNvGrpSpPr/>
+        <p:nvPr/>
+      </p:nvGrpSpPr>
+      <p:grpSpPr>
+        <a:xfrm>
+          <a:off x="0" y="0"/>
+          <a:ext cx="0" cy="0"/>
+          <a:chOff x="0" y="0"/>
+          <a:chExt cx="0" cy="0"/>
+        </a:xfrm>
+      </p:grpSpPr>
+      <p:sp>
+        <p:nvSpPr>
+          <p:cNvPr id="2" name="標題 1">
+            <a:extLst>
+              <a:ext uri="{FF2B5EF4-FFF2-40B4-BE49-F238E27FC236}">
+                <a16:creationId xmlns:a16="http://schemas.microsoft.com/office/drawing/2014/main" id="{32532283-9F93-4E44-8138-32796965361F}"/>
+              </a:ext>
+            </a:extLst>
+          </p:cNvPr>
+          <p:cNvSpPr>
+            <a:spLocks noGrp="1"/>
+          </p:cNvSpPr>
+          <p:nvPr>
+            <p:ph type="ctrTitle"/>
+          </p:nvPr>
+        </p:nvSpPr>
+        <p:spPr>
+          <a:xfrm>
+            <a:off x="334978" y="497941"/>
+            <a:ext cx="1816729" cy="776334"/>
+          </a:xfrm>
+        </p:spPr>
+        <p:txBody>
+          <a:bodyPr>
+            <a:normAutofit/>
+          </a:bodyPr>
+          <a:lstStyle/>
+          <a:p>
+            <a:r>
+              <a:rPr lang="en-US" altLang="zh-TW" sz="4000" dirty="0">
+                <a:latin typeface="Arial" panose="020B0604020202020204" pitchFamily="34" charset="0"/>
+                <a:ea typeface="微軟正黑體" panose="020B0604030504040204" pitchFamily="34" charset="-120"/>
+                <a:cs typeface="Arial" panose="020B0604020202020204" pitchFamily="34" charset="0"/>
+              </a:rPr>
+              <a:t>3.</a:t>
+            </a:r>
+            <a:r>
+              <a:rPr lang="zh-TW" altLang="en-US" sz="4000" b="1" dirty="0">
+                <a:latin typeface="Arial" panose="020B0604020202020204" pitchFamily="34" charset="0"/>
+                <a:ea typeface="微軟正黑體" panose="020B0604030504040204" pitchFamily="34" charset="-120"/>
+                <a:cs typeface="Arial" panose="020B0604020202020204" pitchFamily="34" charset="0"/>
+              </a:rPr>
+              <a:t>努力</a:t>
+            </a:r>
+          </a:p>
+        </p:txBody>
+      </p:sp>
+      <p:sp>
+        <p:nvSpPr>
+          <p:cNvPr id="3" name="副標題 2">
+            <a:extLst>
+              <a:ext uri="{FF2B5EF4-FFF2-40B4-BE49-F238E27FC236}">
+                <a16:creationId xmlns:a16="http://schemas.microsoft.com/office/drawing/2014/main" id="{8C946F38-524D-4B98-B9CB-80AEE57E455A}"/>
+              </a:ext>
+            </a:extLst>
+          </p:cNvPr>
+          <p:cNvSpPr>
+            <a:spLocks noGrp="1"/>
+          </p:cNvSpPr>
+          <p:nvPr>
+            <p:ph type="subTitle" idx="1"/>
+          </p:nvPr>
+        </p:nvSpPr>
+        <p:spPr>
+          <a:xfrm>
+            <a:off x="334978" y="1274275"/>
+            <a:ext cx="5761022" cy="5085784"/>
+          </a:xfrm>
+        </p:spPr>
+        <p:txBody>
+          <a:bodyPr/>
+          <a:lstStyle/>
+          <a:p>
+            <a:endParaRPr lang="zh-TW" altLang="en-US" dirty="0"/>
+          </a:p>
+        </p:txBody>
+      </p:sp>
+      <p:pic>
+        <p:nvPicPr>
+          <p:cNvPr id="6" name="圖片 5">
+            <a:extLst>
+              <a:ext uri="{FF2B5EF4-FFF2-40B4-BE49-F238E27FC236}">
+                <a16:creationId xmlns:a16="http://schemas.microsoft.com/office/drawing/2014/main" id="{C17A5F08-06E0-4C2A-A5E9-32F5F51C0921}"/>
+              </a:ext>
+            </a:extLst>
+          </p:cNvPr>
+          <p:cNvPicPr>
+            <a:picLocks noChangeAspect="1"/>
+          </p:cNvPicPr>
+          <p:nvPr/>
+        </p:nvPicPr>
+        <p:blipFill>
+          <a:blip r:embed="rId3">
+            <a:extLst>
+              <a:ext uri="{28A0092B-C50C-407E-A947-70E740481C1C}">
+                <a14:useLocalDpi xmlns:a14="http://schemas.microsoft.com/office/drawing/2010/main" val="0"/>
+              </a:ext>
+            </a:extLst>
+          </a:blip>
+          <a:stretch>
+            <a:fillRect/>
+          </a:stretch>
+        </p:blipFill>
+        <p:spPr>
+          <a:xfrm>
+            <a:off x="1051200" y="1390767"/>
+            <a:ext cx="4852800" cy="4852800"/>
+          </a:xfrm>
+          <a:prstGeom prst="rect">
+            <a:avLst/>
+          </a:prstGeom>
+        </p:spPr>
+      </p:pic>
+    </p:spTree>
+    <p:extLst>
+      <p:ext uri="{BB962C8B-B14F-4D97-AF65-F5344CB8AC3E}">
+        <p14:creationId xmlns:p14="http://schemas.microsoft.com/office/powerpoint/2010/main" val="2301464828"/>
+      </p:ext>
+    </p:extLst>
+  </p:cSld>
+  <p:clrMapOvr>
+    <a:masterClrMapping/>
+  </p:clrMapOvr>
+</p:sld>
+</file>
+
+<file path=ppt/slides/slide5.xml><?xml version="1.0" encoding="utf-8"?>
+<p:sld xmlns:a="http://schemas.openxmlformats.org/drawingml/2006/main" xmlns:r="http://schemas.openxmlformats.org/officeDocument/2006/relationships" xmlns:p="http://schemas.openxmlformats.org/presentationml/2006/main">
+  <p:cSld>
+    <p:bg>
+      <p:bgPr>
+        <a:solidFill>
+          <a:schemeClr val="accent1">
+            <a:lumMod val="60000"/>
+            <a:lumOff val="40000"/>
+          </a:schemeClr>
+        </a:solidFill>
+        <a:effectLst/>
+      </p:bgPr>
+    </p:bg>
+    <p:spTree>
+      <p:nvGrpSpPr>
+        <p:cNvPr id="1" name=""/>
+        <p:cNvGrpSpPr/>
+        <p:nvPr/>
+      </p:nvGrpSpPr>
+      <p:grpSpPr>
+        <a:xfrm>
+          <a:off x="0" y="0"/>
+          <a:ext cx="0" cy="0"/>
+          <a:chOff x="0" y="0"/>
+          <a:chExt cx="0" cy="0"/>
+        </a:xfrm>
+      </p:grpSpPr>
+      <p:sp>
+        <p:nvSpPr>
+          <p:cNvPr id="2" name="標題 1">
+            <a:extLst>
+              <a:ext uri="{FF2B5EF4-FFF2-40B4-BE49-F238E27FC236}">
+                <a16:creationId xmlns:a16="http://schemas.microsoft.com/office/drawing/2014/main" id="{32532283-9F93-4E44-8138-32796965361F}"/>
+              </a:ext>
+            </a:extLst>
+          </p:cNvPr>
+          <p:cNvSpPr>
+            <a:spLocks noGrp="1"/>
+          </p:cNvSpPr>
+          <p:nvPr>
+            <p:ph type="ctrTitle"/>
+          </p:nvPr>
+        </p:nvSpPr>
+        <p:spPr>
+          <a:xfrm>
+            <a:off x="334978" y="497941"/>
+            <a:ext cx="1816729" cy="776334"/>
+          </a:xfrm>
+        </p:spPr>
+        <p:txBody>
+          <a:bodyPr>
+            <a:normAutofit/>
+          </a:bodyPr>
+          <a:lstStyle/>
+          <a:p>
+            <a:r>
+              <a:rPr lang="en-US" altLang="zh-TW" sz="4000" dirty="0">
+                <a:latin typeface="Arial" panose="020B0604020202020204" pitchFamily="34" charset="0"/>
+                <a:ea typeface="微軟正黑體" panose="020B0604030504040204" pitchFamily="34" charset="-120"/>
+                <a:cs typeface="Arial" panose="020B0604020202020204" pitchFamily="34" charset="0"/>
+              </a:rPr>
+              <a:t>4.</a:t>
+            </a:r>
+            <a:r>
+              <a:rPr lang="zh-TW" altLang="en-US" sz="4000" b="1" dirty="0">
+                <a:latin typeface="Arial" panose="020B0604020202020204" pitchFamily="34" charset="0"/>
+                <a:ea typeface="微軟正黑體" panose="020B0604030504040204" pitchFamily="34" charset="-120"/>
+                <a:cs typeface="Arial" panose="020B0604020202020204" pitchFamily="34" charset="0"/>
+              </a:rPr>
+              <a:t>結果</a:t>
+            </a:r>
+          </a:p>
+        </p:txBody>
+      </p:sp>
+      <p:sp>
+        <p:nvSpPr>
+          <p:cNvPr id="3" name="副標題 2">
+            <a:extLst>
+              <a:ext uri="{FF2B5EF4-FFF2-40B4-BE49-F238E27FC236}">
+                <a16:creationId xmlns:a16="http://schemas.microsoft.com/office/drawing/2014/main" id="{8C946F38-524D-4B98-B9CB-80AEE57E455A}"/>
+              </a:ext>
+            </a:extLst>
+          </p:cNvPr>
+          <p:cNvSpPr>
+            <a:spLocks noGrp="1"/>
+          </p:cNvSpPr>
+          <p:nvPr>
+            <p:ph type="subTitle" idx="1"/>
+          </p:nvPr>
+        </p:nvSpPr>
+        <p:spPr>
+          <a:xfrm>
+            <a:off x="334978" y="1274275"/>
+            <a:ext cx="5761022" cy="5085784"/>
+          </a:xfrm>
+        </p:spPr>
+        <p:txBody>
+          <a:bodyPr/>
+          <a:lstStyle/>
+          <a:p>
+            <a:endParaRPr lang="zh-TW" altLang="en-US" dirty="0"/>
+          </a:p>
+        </p:txBody>
+      </p:sp>
+      <p:pic>
+        <p:nvPicPr>
+          <p:cNvPr id="6" name="圖片 5">
+            <a:extLst>
+              <a:ext uri="{FF2B5EF4-FFF2-40B4-BE49-F238E27FC236}">
+                <a16:creationId xmlns:a16="http://schemas.microsoft.com/office/drawing/2014/main" id="{C17A5F08-06E0-4C2A-A5E9-32F5F51C0921}"/>
+              </a:ext>
+            </a:extLst>
+          </p:cNvPr>
+          <p:cNvPicPr>
+            <a:picLocks noChangeAspect="1"/>
+          </p:cNvPicPr>
+          <p:nvPr/>
+        </p:nvPicPr>
+        <p:blipFill>
+          <a:blip r:embed="rId3">
+            <a:extLst>
+              <a:ext uri="{28A0092B-C50C-407E-A947-70E740481C1C}">
+                <a14:useLocalDpi xmlns:a14="http://schemas.microsoft.com/office/drawing/2010/main" val="0"/>
+              </a:ext>
+            </a:extLst>
+          </a:blip>
+          <a:stretch>
+            <a:fillRect/>
+          </a:stretch>
+        </p:blipFill>
+        <p:spPr>
+          <a:xfrm>
+            <a:off x="1051200" y="1390767"/>
+            <a:ext cx="4852800" cy="4852800"/>
+          </a:xfrm>
+          <a:prstGeom prst="rect">
+            <a:avLst/>
+          </a:prstGeom>
+        </p:spPr>
+      </p:pic>
+    </p:spTree>
+    <p:extLst>
+      <p:ext uri="{BB962C8B-B14F-4D97-AF65-F5344CB8AC3E}">
+        <p14:creationId xmlns:p14="http://schemas.microsoft.com/office/powerpoint/2010/main" val="2111683169"/>
+      </p:ext>
+    </p:extLst>
+  </p:cSld>
+  <p:clrMapOvr>
+    <a:masterClrMapping/>
+  </p:clrMapOvr>
+</p:sld>
+</file>
+
+<file path=ppt/slides/slide6.xml><?xml version="1.0" encoding="utf-8"?>
+<p:sld xmlns:a="http://schemas.openxmlformats.org/drawingml/2006/main" xmlns:r="http://schemas.openxmlformats.org/officeDocument/2006/relationships" xmlns:p="http://schemas.openxmlformats.org/presentationml/2006/main">
+  <p:cSld>
+    <p:bg>
+      <p:bgPr>
+        <a:solidFill>
+          <a:schemeClr val="accent1">
+            <a:lumMod val="60000"/>
+            <a:lumOff val="40000"/>
+          </a:schemeClr>
+        </a:solidFill>
+        <a:effectLst/>
+      </p:bgPr>
+    </p:bg>
+    <p:spTree>
+      <p:nvGrpSpPr>
+        <p:cNvPr id="1" name=""/>
+        <p:cNvGrpSpPr/>
+        <p:nvPr/>
+      </p:nvGrpSpPr>
+      <p:grpSpPr>
+        <a:xfrm>
+          <a:off x="0" y="0"/>
+          <a:ext cx="0" cy="0"/>
+          <a:chOff x="0" y="0"/>
+          <a:chExt cx="0" cy="0"/>
+        </a:xfrm>
+      </p:grpSpPr>
+      <p:sp>
+        <p:nvSpPr>
+          <p:cNvPr id="2" name="標題 1">
+            <a:extLst>
+              <a:ext uri="{FF2B5EF4-FFF2-40B4-BE49-F238E27FC236}">
+                <a16:creationId xmlns:a16="http://schemas.microsoft.com/office/drawing/2014/main" id="{32532283-9F93-4E44-8138-32796965361F}"/>
+              </a:ext>
+            </a:extLst>
+          </p:cNvPr>
+          <p:cNvSpPr>
+            <a:spLocks noGrp="1"/>
+          </p:cNvSpPr>
+          <p:nvPr>
+            <p:ph type="ctrTitle"/>
+          </p:nvPr>
+        </p:nvSpPr>
+        <p:spPr>
+          <a:xfrm>
+            <a:off x="334978" y="497941"/>
+            <a:ext cx="1816729" cy="776334"/>
+          </a:xfrm>
+        </p:spPr>
+        <p:txBody>
+          <a:bodyPr>
+            <a:normAutofit/>
+          </a:bodyPr>
+          <a:lstStyle/>
+          <a:p>
+            <a:r>
+              <a:rPr lang="en-US" altLang="zh-TW" sz="4000" dirty="0">
+                <a:latin typeface="Arial" panose="020B0604020202020204" pitchFamily="34" charset="0"/>
+                <a:ea typeface="微軟正黑體" panose="020B0604030504040204" pitchFamily="34" charset="-120"/>
+                <a:cs typeface="Arial" panose="020B0604020202020204" pitchFamily="34" charset="0"/>
+              </a:rPr>
+              <a:t>5.</a:t>
+            </a:r>
+            <a:r>
+              <a:rPr lang="zh-TW" altLang="en-US" sz="4000" b="1" dirty="0">
+                <a:latin typeface="Arial" panose="020B0604020202020204" pitchFamily="34" charset="0"/>
+                <a:ea typeface="微軟正黑體" panose="020B0604030504040204" pitchFamily="34" charset="-120"/>
+                <a:cs typeface="Arial" panose="020B0604020202020204" pitchFamily="34" charset="0"/>
+              </a:rPr>
+              <a:t>意外</a:t>
+            </a:r>
+          </a:p>
+        </p:txBody>
+      </p:sp>
+      <p:sp>
+        <p:nvSpPr>
+          <p:cNvPr id="3" name="副標題 2">
+            <a:extLst>
+              <a:ext uri="{FF2B5EF4-FFF2-40B4-BE49-F238E27FC236}">
+                <a16:creationId xmlns:a16="http://schemas.microsoft.com/office/drawing/2014/main" id="{8C946F38-524D-4B98-B9CB-80AEE57E455A}"/>
+              </a:ext>
+            </a:extLst>
+          </p:cNvPr>
+          <p:cNvSpPr>
+            <a:spLocks noGrp="1"/>
+          </p:cNvSpPr>
+          <p:nvPr>
+            <p:ph type="subTitle" idx="1"/>
+          </p:nvPr>
+        </p:nvSpPr>
+        <p:spPr>
+          <a:xfrm>
+            <a:off x="334978" y="1274275"/>
+            <a:ext cx="5761022" cy="5085784"/>
+          </a:xfrm>
+        </p:spPr>
+        <p:txBody>
+          <a:bodyPr/>
+          <a:lstStyle/>
+          <a:p>
+            <a:endParaRPr lang="zh-TW" altLang="en-US" dirty="0"/>
+          </a:p>
+        </p:txBody>
+      </p:sp>
+      <p:pic>
+        <p:nvPicPr>
+          <p:cNvPr id="6" name="圖片 5">
+            <a:extLst>
+              <a:ext uri="{FF2B5EF4-FFF2-40B4-BE49-F238E27FC236}">
+                <a16:creationId xmlns:a16="http://schemas.microsoft.com/office/drawing/2014/main" id="{C17A5F08-06E0-4C2A-A5E9-32F5F51C0921}"/>
+              </a:ext>
+            </a:extLst>
+          </p:cNvPr>
+          <p:cNvPicPr>
+            <a:picLocks noChangeAspect="1"/>
+          </p:cNvPicPr>
+          <p:nvPr/>
+        </p:nvPicPr>
+        <p:blipFill>
+          <a:blip r:embed="rId3">
+            <a:extLst>
+              <a:ext uri="{28A0092B-C50C-407E-A947-70E740481C1C}">
+                <a14:useLocalDpi xmlns:a14="http://schemas.microsoft.com/office/drawing/2010/main" val="0"/>
+              </a:ext>
+            </a:extLst>
+          </a:blip>
+          <a:stretch>
+            <a:fillRect/>
+          </a:stretch>
+        </p:blipFill>
+        <p:spPr>
+          <a:xfrm>
+            <a:off x="1051200" y="1390767"/>
+            <a:ext cx="4852800" cy="4852800"/>
+          </a:xfrm>
+          <a:prstGeom prst="rect">
+            <a:avLst/>
+          </a:prstGeom>
+        </p:spPr>
+      </p:pic>
+    </p:spTree>
+    <p:extLst>
+      <p:ext uri="{BB962C8B-B14F-4D97-AF65-F5344CB8AC3E}">
+        <p14:creationId xmlns:p14="http://schemas.microsoft.com/office/powerpoint/2010/main" val="854799361"/>
+      </p:ext>
+    </p:extLst>
+  </p:cSld>
+  <p:clrMapOvr>
+    <a:masterClrMapping/>
+  </p:clrMapOvr>
+</p:sld>
+</file>
+
+<file path=ppt/slides/slide7.xml><?xml version="1.0" encoding="utf-8"?>
+<p:sld xmlns:a="http://schemas.openxmlformats.org/drawingml/2006/main" xmlns:r="http://schemas.openxmlformats.org/officeDocument/2006/relationships" xmlns:p="http://schemas.openxmlformats.org/presentationml/2006/main">
+  <p:cSld>
+    <p:bg>
+      <p:bgPr>
+        <a:solidFill>
+          <a:schemeClr val="accent1">
+            <a:lumMod val="60000"/>
+            <a:lumOff val="40000"/>
+          </a:schemeClr>
+        </a:solidFill>
+        <a:effectLst/>
+      </p:bgPr>
+    </p:bg>
+    <p:spTree>
+      <p:nvGrpSpPr>
+        <p:cNvPr id="1" name=""/>
+        <p:cNvGrpSpPr/>
+        <p:nvPr/>
+      </p:nvGrpSpPr>
+      <p:grpSpPr>
+        <a:xfrm>
+          <a:off x="0" y="0"/>
+          <a:ext cx="0" cy="0"/>
+          <a:chOff x="0" y="0"/>
+          <a:chExt cx="0" cy="0"/>
+        </a:xfrm>
+      </p:grpSpPr>
+      <p:sp>
+        <p:nvSpPr>
+          <p:cNvPr id="2" name="標題 1">
+            <a:extLst>
+              <a:ext uri="{FF2B5EF4-FFF2-40B4-BE49-F238E27FC236}">
+                <a16:creationId xmlns:a16="http://schemas.microsoft.com/office/drawing/2014/main" id="{32532283-9F93-4E44-8138-32796965361F}"/>
+              </a:ext>
+            </a:extLst>
+          </p:cNvPr>
+          <p:cNvSpPr>
+            <a:spLocks noGrp="1"/>
+          </p:cNvSpPr>
+          <p:nvPr>
+            <p:ph type="ctrTitle"/>
+          </p:nvPr>
+        </p:nvSpPr>
+        <p:spPr>
+          <a:xfrm>
+            <a:off x="334978" y="497941"/>
+            <a:ext cx="1816729" cy="776334"/>
+          </a:xfrm>
+        </p:spPr>
+        <p:txBody>
+          <a:bodyPr>
+            <a:normAutofit/>
+          </a:bodyPr>
+          <a:lstStyle/>
+          <a:p>
+            <a:r>
+              <a:rPr lang="en-US" altLang="zh-TW" sz="4000" dirty="0">
+                <a:latin typeface="Arial" panose="020B0604020202020204" pitchFamily="34" charset="0"/>
+                <a:ea typeface="微軟正黑體" panose="020B0604030504040204" pitchFamily="34" charset="-120"/>
+                <a:cs typeface="Arial" panose="020B0604020202020204" pitchFamily="34" charset="0"/>
+              </a:rPr>
+              <a:t>6.</a:t>
+            </a:r>
+            <a:r>
+              <a:rPr lang="zh-TW" altLang="en-US" sz="4000" b="1" dirty="0">
+                <a:latin typeface="Arial" panose="020B0604020202020204" pitchFamily="34" charset="0"/>
+                <a:ea typeface="微軟正黑體" panose="020B0604030504040204" pitchFamily="34" charset="-120"/>
+                <a:cs typeface="Arial" panose="020B0604020202020204" pitchFamily="34" charset="0"/>
+              </a:rPr>
+              <a:t>轉彎</a:t>
+            </a:r>
+          </a:p>
+        </p:txBody>
+      </p:sp>
+      <p:sp>
+        <p:nvSpPr>
+          <p:cNvPr id="3" name="副標題 2">
+            <a:extLst>
+              <a:ext uri="{FF2B5EF4-FFF2-40B4-BE49-F238E27FC236}">
+                <a16:creationId xmlns:a16="http://schemas.microsoft.com/office/drawing/2014/main" id="{8C946F38-524D-4B98-B9CB-80AEE57E455A}"/>
+              </a:ext>
+            </a:extLst>
+          </p:cNvPr>
+          <p:cNvSpPr>
+            <a:spLocks noGrp="1"/>
+          </p:cNvSpPr>
+          <p:nvPr>
+            <p:ph type="subTitle" idx="1"/>
+          </p:nvPr>
+        </p:nvSpPr>
+        <p:spPr>
+          <a:xfrm>
+            <a:off x="334978" y="1274275"/>
+            <a:ext cx="5761022" cy="5085784"/>
+          </a:xfrm>
+        </p:spPr>
+        <p:txBody>
+          <a:bodyPr/>
+          <a:lstStyle/>
+          <a:p>
+            <a:endParaRPr lang="zh-TW" altLang="en-US" dirty="0"/>
+          </a:p>
+        </p:txBody>
+      </p:sp>
+      <p:pic>
+        <p:nvPicPr>
+          <p:cNvPr id="6" name="圖片 5">
+            <a:extLst>
+              <a:ext uri="{FF2B5EF4-FFF2-40B4-BE49-F238E27FC236}">
+                <a16:creationId xmlns:a16="http://schemas.microsoft.com/office/drawing/2014/main" id="{C17A5F08-06E0-4C2A-A5E9-32F5F51C0921}"/>
+              </a:ext>
+            </a:extLst>
+          </p:cNvPr>
+          <p:cNvPicPr>
+            <a:picLocks noChangeAspect="1"/>
+          </p:cNvPicPr>
+          <p:nvPr/>
+        </p:nvPicPr>
+        <p:blipFill>
+          <a:blip r:embed="rId3">
+            <a:extLst>
+              <a:ext uri="{28A0092B-C50C-407E-A947-70E740481C1C}">
+                <a14:useLocalDpi xmlns:a14="http://schemas.microsoft.com/office/drawing/2010/main" val="0"/>
+              </a:ext>
+            </a:extLst>
+          </a:blip>
+          <a:stretch>
+            <a:fillRect/>
+          </a:stretch>
+        </p:blipFill>
+        <p:spPr>
+          <a:xfrm>
+            <a:off x="1051200" y="1390767"/>
+            <a:ext cx="4852800" cy="4852800"/>
+          </a:xfrm>
+          <a:prstGeom prst="rect">
+            <a:avLst/>
+          </a:prstGeom>
+        </p:spPr>
+      </p:pic>
+    </p:spTree>
+    <p:extLst>
+      <p:ext uri="{BB962C8B-B14F-4D97-AF65-F5344CB8AC3E}">
+        <p14:creationId xmlns:p14="http://schemas.microsoft.com/office/powerpoint/2010/main" val="2985138473"/>
+      </p:ext>
+    </p:extLst>
+  </p:cSld>
+  <p:clrMapOvr>
+    <a:masterClrMapping/>
+  </p:clrMapOvr>
+</p:sld>
+</file>
+
+<file path=ppt/slides/slide8.xml><?xml version="1.0" encoding="utf-8"?>
+<p:sld xmlns:a="http://schemas.openxmlformats.org/drawingml/2006/main" xmlns:r="http://schemas.openxmlformats.org/officeDocument/2006/relationships" xmlns:p="http://schemas.openxmlformats.org/presentationml/2006/main">
+  <p:cSld>
+    <p:bg>
+      <p:bgPr>
+        <a:solidFill>
+          <a:schemeClr val="accent1">
+            <a:lumMod val="60000"/>
+            <a:lumOff val="40000"/>
+          </a:schemeClr>
+        </a:solidFill>
+        <a:effectLst/>
+      </p:bgPr>
+    </p:bg>
+    <p:spTree>
+      <p:nvGrpSpPr>
+        <p:cNvPr id="1" name=""/>
+        <p:cNvGrpSpPr/>
+        <p:nvPr/>
+      </p:nvGrpSpPr>
+      <p:grpSpPr>
+        <a:xfrm>
+          <a:off x="0" y="0"/>
+          <a:ext cx="0" cy="0"/>
+          <a:chOff x="0" y="0"/>
+          <a:chExt cx="0" cy="0"/>
+        </a:xfrm>
+      </p:grpSpPr>
+      <p:sp>
+        <p:nvSpPr>
+          <p:cNvPr id="2" name="標題 1">
+            <a:extLst>
+              <a:ext uri="{FF2B5EF4-FFF2-40B4-BE49-F238E27FC236}">
+                <a16:creationId xmlns:a16="http://schemas.microsoft.com/office/drawing/2014/main" id="{32532283-9F93-4E44-8138-32796965361F}"/>
+              </a:ext>
+            </a:extLst>
+          </p:cNvPr>
+          <p:cNvSpPr>
+            <a:spLocks noGrp="1"/>
+          </p:cNvSpPr>
+          <p:nvPr>
+            <p:ph type="ctrTitle"/>
+          </p:nvPr>
+        </p:nvSpPr>
+        <p:spPr>
+          <a:xfrm>
+            <a:off x="334978" y="497941"/>
+            <a:ext cx="1816729" cy="776334"/>
+          </a:xfrm>
+        </p:spPr>
+        <p:txBody>
+          <a:bodyPr>
+            <a:normAutofit/>
+          </a:bodyPr>
+          <a:lstStyle/>
+          <a:p>
+            <a:r>
+              <a:rPr lang="en-US" altLang="zh-TW" sz="4000" dirty="0">
+                <a:latin typeface="Arial" panose="020B0604020202020204" pitchFamily="34" charset="0"/>
+                <a:ea typeface="微軟正黑體" panose="020B0604030504040204" pitchFamily="34" charset="-120"/>
+                <a:cs typeface="Arial" panose="020B0604020202020204" pitchFamily="34" charset="0"/>
+              </a:rPr>
+              <a:t>7.</a:t>
+            </a:r>
+            <a:r>
+              <a:rPr lang="zh-TW" altLang="en-US" sz="4000" b="1" dirty="0">
+                <a:latin typeface="Arial" panose="020B0604020202020204" pitchFamily="34" charset="0"/>
+                <a:ea typeface="微軟正黑體" panose="020B0604030504040204" pitchFamily="34" charset="-120"/>
+                <a:cs typeface="Arial" panose="020B0604020202020204" pitchFamily="34" charset="0"/>
+              </a:rPr>
+              <a:t>結局</a:t>
+            </a:r>
+          </a:p>
+        </p:txBody>
+      </p:sp>
+      <p:sp>
+        <p:nvSpPr>
+          <p:cNvPr id="3" name="副標題 2">
+            <a:extLst>
+              <a:ext uri="{FF2B5EF4-FFF2-40B4-BE49-F238E27FC236}">
+                <a16:creationId xmlns:a16="http://schemas.microsoft.com/office/drawing/2014/main" id="{8C946F38-524D-4B98-B9CB-80AEE57E455A}"/>
+              </a:ext>
+            </a:extLst>
+          </p:cNvPr>
+          <p:cNvSpPr>
+            <a:spLocks noGrp="1"/>
+          </p:cNvSpPr>
+          <p:nvPr>
+            <p:ph type="subTitle" idx="1"/>
+          </p:nvPr>
+        </p:nvSpPr>
+        <p:spPr>
+          <a:xfrm>
+            <a:off x="334978" y="1274275"/>
+            <a:ext cx="5761022" cy="5085784"/>
+          </a:xfrm>
+        </p:spPr>
+        <p:txBody>
+          <a:bodyPr/>
+          <a:lstStyle/>
+          <a:p>
+            <a:endParaRPr lang="zh-TW" altLang="en-US" dirty="0"/>
+          </a:p>
+        </p:txBody>
+      </p:sp>
+      <p:pic>
+        <p:nvPicPr>
+          <p:cNvPr id="6" name="圖片 5">
+            <a:extLst>
+              <a:ext uri="{FF2B5EF4-FFF2-40B4-BE49-F238E27FC236}">
+                <a16:creationId xmlns:a16="http://schemas.microsoft.com/office/drawing/2014/main" id="{C17A5F08-06E0-4C2A-A5E9-32F5F51C0921}"/>
+              </a:ext>
+            </a:extLst>
+          </p:cNvPr>
+          <p:cNvPicPr>
+            <a:picLocks noChangeAspect="1"/>
+          </p:cNvPicPr>
+          <p:nvPr/>
+        </p:nvPicPr>
+        <p:blipFill>
+          <a:blip r:embed="rId3">
+            <a:extLst>
+              <a:ext uri="{28A0092B-C50C-407E-A947-70E740481C1C}">
+                <a14:useLocalDpi xmlns:a14="http://schemas.microsoft.com/office/drawing/2010/main" val="0"/>
+              </a:ext>
+            </a:extLst>
+          </a:blip>
+          <a:stretch>
+            <a:fillRect/>
+          </a:stretch>
+        </p:blipFill>
+        <p:spPr>
+          <a:xfrm>
+            <a:off x="1051200" y="1390767"/>
+            <a:ext cx="4852800" cy="4852800"/>
+          </a:xfrm>
+          <a:prstGeom prst="rect">
+            <a:avLst/>
+          </a:prstGeom>
+        </p:spPr>
+      </p:pic>
+    </p:spTree>
+    <p:extLst>
+      <p:ext uri="{BB962C8B-B14F-4D97-AF65-F5344CB8AC3E}">
+        <p14:creationId xmlns:p14="http://schemas.microsoft.com/office/powerpoint/2010/main" val="655938220"/>
       </p:ext>
     </p:extLst>
   </p:cSld>
@@ -3677,4 +6680,299 @@
     </a:ext>
   </a:extLst>
 </a:theme>
+</file>
+
+<file path=ppt/theme/theme2.xml><?xml version="1.0" encoding="utf-8"?>
+<a:theme xmlns:a="http://schemas.openxmlformats.org/drawingml/2006/main" name="Office 佈景主題">
+  <a:themeElements>
+    <a:clrScheme name="Office">
+      <a:dk1>
+        <a:sysClr val="windowText" lastClr="000000"/>
+      </a:dk1>
+      <a:lt1>
+        <a:sysClr val="window" lastClr="FFFFFF"/>
+      </a:lt1>
+      <a:dk2>
+        <a:srgbClr val="44546A"/>
+      </a:dk2>
+      <a:lt2>
+        <a:srgbClr val="E7E6E6"/>
+      </a:lt2>
+      <a:accent1>
+        <a:srgbClr val="4472C4"/>
+      </a:accent1>
+      <a:accent2>
+        <a:srgbClr val="ED7D31"/>
+      </a:accent2>
+      <a:accent3>
+        <a:srgbClr val="A5A5A5"/>
+      </a:accent3>
+      <a:accent4>
+        <a:srgbClr val="FFC000"/>
+      </a:accent4>
+      <a:accent5>
+        <a:srgbClr val="5B9BD5"/>
+      </a:accent5>
+      <a:accent6>
+        <a:srgbClr val="70AD47"/>
+      </a:accent6>
+      <a:hlink>
+        <a:srgbClr val="0563C1"/>
+      </a:hlink>
+      <a:folHlink>
+        <a:srgbClr val="954F72"/>
+      </a:folHlink>
+    </a:clrScheme>
+    <a:fontScheme name="Office">
+      <a:majorFont>
+        <a:latin typeface="Calibri Light" panose="020F0302020204030204"/>
+        <a:ea typeface=""/>
+        <a:cs typeface=""/>
+        <a:font script="Jpan" typeface="游ゴシック Light"/>
+        <a:font script="Hang" typeface="맑은 고딕"/>
+        <a:font script="Hans" typeface="等线 Light"/>
+        <a:font script="Hant" typeface="新細明體"/>
+        <a:font script="Arab" typeface="Times New Roman"/>
+        <a:font script="Hebr" typeface="Times New Roman"/>
+        <a:font script="Thai" typeface="Angsana New"/>
+        <a:font script="Ethi" typeface="Nyala"/>
+        <a:font script="Beng" typeface="Vrinda"/>
+        <a:font script="Gujr" typeface="Shruti"/>
+        <a:font script="Khmr" typeface="MoolBoran"/>
+        <a:font script="Knda" typeface="Tunga"/>
+        <a:font script="Guru" typeface="Raavi"/>
+        <a:font script="Cans" typeface="Euphemia"/>
+        <a:font script="Cher" typeface="Plantagenet Cherokee"/>
+        <a:font script="Yiii" typeface="Microsoft Yi Baiti"/>
+        <a:font script="Tibt" typeface="Microsoft Himalaya"/>
+        <a:font script="Thaa" typeface="MV Boli"/>
+        <a:font script="Deva" typeface="Mangal"/>
+        <a:font script="Telu" typeface="Gautami"/>
+        <a:font script="Taml" typeface="Latha"/>
+        <a:font script="Syrc" typeface="Estrangelo Edessa"/>
+        <a:font script="Orya" typeface="Kalinga"/>
+        <a:font script="Mlym" typeface="Kartika"/>
+        <a:font script="Laoo" typeface="DokChampa"/>
+        <a:font script="Sinh" typeface="Iskoola Pota"/>
+        <a:font script="Mong" typeface="Mongolian Baiti"/>
+        <a:font script="Viet" typeface="Times New Roman"/>
+        <a:font script="Uigh" typeface="Microsoft Uighur"/>
+        <a:font script="Geor" typeface="Sylfaen"/>
+        <a:font script="Armn" typeface="Arial"/>
+        <a:font script="Bugi" typeface="Leelawadee UI"/>
+        <a:font script="Bopo" typeface="Microsoft JhengHei"/>
+        <a:font script="Java" typeface="Javanese Text"/>
+        <a:font script="Lisu" typeface="Segoe UI"/>
+        <a:font script="Mymr" typeface="Myanmar Text"/>
+        <a:font script="Nkoo" typeface="Ebrima"/>
+        <a:font script="Olck" typeface="Nirmala UI"/>
+        <a:font script="Osma" typeface="Ebrima"/>
+        <a:font script="Phag" typeface="Phagspa"/>
+        <a:font script="Syrn" typeface="Estrangelo Edessa"/>
+        <a:font script="Syrj" typeface="Estrangelo Edessa"/>
+        <a:font script="Syre" typeface="Estrangelo Edessa"/>
+        <a:font script="Sora" typeface="Nirmala UI"/>
+        <a:font script="Tale" typeface="Microsoft Tai Le"/>
+        <a:font script="Talu" typeface="Microsoft New Tai Lue"/>
+        <a:font script="Tfng" typeface="Ebrima"/>
+      </a:majorFont>
+      <a:minorFont>
+        <a:latin typeface="Calibri" panose="020F0502020204030204"/>
+        <a:ea typeface=""/>
+        <a:cs typeface=""/>
+        <a:font script="Jpan" typeface="游ゴシック"/>
+        <a:font script="Hang" typeface="맑은 고딕"/>
+        <a:font script="Hans" typeface="等线"/>
+        <a:font script="Hant" typeface="新細明體"/>
+        <a:font script="Arab" typeface="Arial"/>
+        <a:font script="Hebr" typeface="Arial"/>
+        <a:font script="Thai" typeface="Cordia New"/>
+        <a:font script="Ethi" typeface="Nyala"/>
+        <a:font script="Beng" typeface="Vrinda"/>
+        <a:font script="Gujr" typeface="Shruti"/>
+        <a:font script="Khmr" typeface="DaunPenh"/>
+        <a:font script="Knda" typeface="Tunga"/>
+        <a:font script="Guru" typeface="Raavi"/>
+        <a:font script="Cans" typeface="Euphemia"/>
+        <a:font script="Cher" typeface="Plantagenet Cherokee"/>
+        <a:font script="Yiii" typeface="Microsoft Yi Baiti"/>
+        <a:font script="Tibt" typeface="Microsoft Himalaya"/>
+        <a:font script="Thaa" typeface="MV Boli"/>
+        <a:font script="Deva" typeface="Mangal"/>
+        <a:font script="Telu" typeface="Gautami"/>
+        <a:font script="Taml" typeface="Latha"/>
+        <a:font script="Syrc" typeface="Estrangelo Edessa"/>
+        <a:font script="Orya" typeface="Kalinga"/>
+        <a:font script="Mlym" typeface="Kartika"/>
+        <a:font script="Laoo" typeface="DokChampa"/>
+        <a:font script="Sinh" typeface="Iskoola Pota"/>
+        <a:font script="Mong" typeface="Mongolian Baiti"/>
+        <a:font script="Viet" typeface="Arial"/>
+        <a:font script="Uigh" typeface="Microsoft Uighur"/>
+        <a:font script="Geor" typeface="Sylfaen"/>
+        <a:font script="Armn" typeface="Arial"/>
+        <a:font script="Bugi" typeface="Leelawadee UI"/>
+        <a:font script="Bopo" typeface="Microsoft JhengHei"/>
+        <a:font script="Java" typeface="Javanese Text"/>
+        <a:font script="Lisu" typeface="Segoe UI"/>
+        <a:font script="Mymr" typeface="Myanmar Text"/>
+        <a:font script="Nkoo" typeface="Ebrima"/>
+        <a:font script="Olck" typeface="Nirmala UI"/>
+        <a:font script="Osma" typeface="Ebrima"/>
+        <a:font script="Phag" typeface="Phagspa"/>
+        <a:font script="Syrn" typeface="Estrangelo Edessa"/>
+        <a:font script="Syrj" typeface="Estrangelo Edessa"/>
+        <a:font script="Syre" typeface="Estrangelo Edessa"/>
+        <a:font script="Sora" typeface="Nirmala UI"/>
+        <a:font script="Tale" typeface="Microsoft Tai Le"/>
+        <a:font script="Talu" typeface="Microsoft New Tai Lue"/>
+        <a:font script="Tfng" typeface="Ebrima"/>
+      </a:minorFont>
+    </a:fontScheme>
+    <a:fmtScheme name="Office">
+      <a:fillStyleLst>
+        <a:solidFill>
+          <a:schemeClr val="phClr"/>
+        </a:solidFill>
+        <a:gradFill rotWithShape="1">
+          <a:gsLst>
+            <a:gs pos="0">
+              <a:schemeClr val="phClr">
+                <a:lumMod val="110000"/>
+                <a:satMod val="105000"/>
+                <a:tint val="67000"/>
+              </a:schemeClr>
+            </a:gs>
+            <a:gs pos="50000">
+              <a:schemeClr val="phClr">
+                <a:lumMod val="105000"/>
+                <a:satMod val="103000"/>
+                <a:tint val="73000"/>
+              </a:schemeClr>
+            </a:gs>
+            <a:gs pos="100000">
+              <a:schemeClr val="phClr">
+                <a:lumMod val="105000"/>
+                <a:satMod val="109000"/>
+                <a:tint val="81000"/>
+              </a:schemeClr>
+            </a:gs>
+          </a:gsLst>
+          <a:lin ang="5400000" scaled="0"/>
+        </a:gradFill>
+        <a:gradFill rotWithShape="1">
+          <a:gsLst>
+            <a:gs pos="0">
+              <a:schemeClr val="phClr">
+                <a:satMod val="103000"/>
+                <a:lumMod val="102000"/>
+                <a:tint val="94000"/>
+              </a:schemeClr>
+            </a:gs>
+            <a:gs pos="50000">
+              <a:schemeClr val="phClr">
+                <a:satMod val="110000"/>
+                <a:lumMod val="100000"/>
+                <a:shade val="100000"/>
+              </a:schemeClr>
+            </a:gs>
+            <a:gs pos="100000">
+              <a:schemeClr val="phClr">
+                <a:lumMod val="99000"/>
+                <a:satMod val="120000"/>
+                <a:shade val="78000"/>
+              </a:schemeClr>
+            </a:gs>
+          </a:gsLst>
+          <a:lin ang="5400000" scaled="0"/>
+        </a:gradFill>
+      </a:fillStyleLst>
+      <a:lnStyleLst>
+        <a:ln w="6350" cap="flat" cmpd="sng" algn="ctr">
+          <a:solidFill>
+            <a:schemeClr val="phClr"/>
+          </a:solidFill>
+          <a:prstDash val="solid"/>
+          <a:miter lim="800000"/>
+        </a:ln>
+        <a:ln w="12700" cap="flat" cmpd="sng" algn="ctr">
+          <a:solidFill>
+            <a:schemeClr val="phClr"/>
+          </a:solidFill>
+          <a:prstDash val="solid"/>
+          <a:miter lim="800000"/>
+        </a:ln>
+        <a:ln w="19050" cap="flat" cmpd="sng" algn="ctr">
+          <a:solidFill>
+            <a:schemeClr val="phClr"/>
+          </a:solidFill>
+          <a:prstDash val="solid"/>
+          <a:miter lim="800000"/>
+        </a:ln>
+      </a:lnStyleLst>
+      <a:effectStyleLst>
+        <a:effectStyle>
+          <a:effectLst/>
+        </a:effectStyle>
+        <a:effectStyle>
+          <a:effectLst/>
+        </a:effectStyle>
+        <a:effectStyle>
+          <a:effectLst>
+            <a:outerShdw blurRad="57150" dist="19050" dir="5400000" algn="ctr" rotWithShape="0">
+              <a:srgbClr val="000000">
+                <a:alpha val="63000"/>
+              </a:srgbClr>
+            </a:outerShdw>
+          </a:effectLst>
+        </a:effectStyle>
+      </a:effectStyleLst>
+      <a:bgFillStyleLst>
+        <a:solidFill>
+          <a:schemeClr val="phClr"/>
+        </a:solidFill>
+        <a:solidFill>
+          <a:schemeClr val="phClr">
+            <a:tint val="95000"/>
+            <a:satMod val="170000"/>
+          </a:schemeClr>
+        </a:solidFill>
+        <a:gradFill rotWithShape="1">
+          <a:gsLst>
+            <a:gs pos="0">
+              <a:schemeClr val="phClr">
+                <a:tint val="93000"/>
+                <a:satMod val="150000"/>
+                <a:shade val="98000"/>
+                <a:lumMod val="102000"/>
+              </a:schemeClr>
+            </a:gs>
+            <a:gs pos="50000">
+              <a:schemeClr val="phClr">
+                <a:tint val="98000"/>
+                <a:satMod val="130000"/>
+                <a:shade val="90000"/>
+                <a:lumMod val="103000"/>
+              </a:schemeClr>
+            </a:gs>
+            <a:gs pos="100000">
+              <a:schemeClr val="phClr">
+                <a:shade val="63000"/>
+                <a:satMod val="120000"/>
+              </a:schemeClr>
+            </a:gs>
+          </a:gsLst>
+          <a:lin ang="5400000" scaled="0"/>
+        </a:gradFill>
+      </a:bgFillStyleLst>
+    </a:fmtScheme>
+  </a:themeElements>
+  <a:objectDefaults/>
+  <a:extraClrSchemeLst/>
+  <a:extLst>
+    <a:ext uri="{05A4C25C-085E-4340-85A3-A5531E510DB2}">
+      <thm15:themeFamily xmlns:thm15="http://schemas.microsoft.com/office/thememl/2012/main" name="Office Theme" id="{62F939B6-93AF-4DB8-9C6B-D6C7DFDC589F}" vid="{4A3C46E8-61CC-4603-A589-7422A47A8E4A}"/>
+    </a:ext>
+  </a:extLst>
+</a:theme>
 </file>
--- a/hw02.pptx
+++ b/hw02.pptx
@@ -527,7 +527,24 @@
               </a:rPr>
               <a:t>A Japanese 2D animation character, tall and thin, wearing a white shirt, red tie, dark blue suspenders, snowman face, small triangular brown hat on head, pure blue eyes, black triangular nose, red mouth, archaeologist</a:t>
             </a:r>
-            <a:endParaRPr lang="zh-TW" altLang="en-US" dirty="0"/>
+          </a:p>
+          <a:p>
+            <a:endParaRPr lang="en-US" altLang="zh-TW" sz="1200" b="1" i="0" kern="1200" dirty="0">
+              <a:solidFill>
+                <a:schemeClr val="tx1"/>
+              </a:solidFill>
+              <a:effectLst/>
+              <a:latin typeface="+mn-lt"/>
+              <a:ea typeface="+mn-ea"/>
+              <a:cs typeface="+mn-cs"/>
+            </a:endParaRPr>
+          </a:p>
+          <a:p>
+            <a:r>
+              <a:rPr lang="zh-TW" altLang="en-US" dirty="0"/>
+              <a:t>我是一名來自單親家庭的小孩，我的目標是找到我媽</a:t>
+            </a:r>
+            <a:endParaRPr lang="en-US" altLang="zh-TW" dirty="0"/>
           </a:p>
         </p:txBody>
       </p:sp>
@@ -672,18 +689,6 @@
           <a:lstStyle/>
           <a:p>
             <a:r>
-              <a:rPr lang="zh-TW" altLang="en-US" sz="1200" b="1" i="0" kern="1200" dirty="0">
-                <a:solidFill>
-                  <a:schemeClr val="tx1"/>
-                </a:solidFill>
-                <a:effectLst/>
-                <a:latin typeface="+mn-lt"/>
-                <a:ea typeface="+mn-ea"/>
-                <a:cs typeface="+mn-cs"/>
-              </a:rPr>
-              <a:t>一個日本</a:t>
-            </a:r>
-            <a:r>
               <a:rPr lang="en-US" altLang="zh-TW" sz="1200" b="1" i="0" kern="1200" dirty="0">
                 <a:solidFill>
                   <a:schemeClr val="tx1"/>
@@ -693,20 +698,10 @@
                 <a:ea typeface="+mn-ea"/>
                 <a:cs typeface="+mn-cs"/>
               </a:rPr>
-              <a:t>2D</a:t>
-            </a:r>
-            <a:r>
-              <a:rPr lang="zh-TW" altLang="en-US" sz="1200" b="1" i="0" kern="1200" dirty="0">
-                <a:solidFill>
-                  <a:schemeClr val="tx1"/>
-                </a:solidFill>
-                <a:effectLst/>
-                <a:latin typeface="+mn-lt"/>
-                <a:ea typeface="+mn-ea"/>
-                <a:cs typeface="+mn-cs"/>
-              </a:rPr>
-              <a:t>卡通風格的角色，身高瘦長，穿著白色襯衫，打紅領帶，穿著深藍吊帶褲子，帶著雪人頭套，頭上有一個小小的三角形棕色帽子，眼睛是純藍色，黑色的三角形鼻子，紅色嘴巴，喜愛畫畫，站在一個有一些油漆桶的書房，手裡拿著畫筆，平面的畫風，沒有頭髮，背景多加兩位父母親，臉上透漏著憤怒</a:t>
-            </a:r>
+              <a:t>A Japanese 2D animation character, tall and thin, wearing a white shirt, red tie, dark blue suspenders, snowman face, small triangular brown hat on head, pure blue eyes, black triangular nose, red mouth, archaeologist, looking like he is short of money, with some tattered coins and banknotes</a:t>
+            </a:r>
+          </a:p>
+          <a:p>
             <a:endParaRPr lang="en-US" altLang="zh-TW" sz="1200" b="1" i="0" kern="1200" dirty="0">
               <a:solidFill>
                 <a:schemeClr val="tx1"/>
@@ -718,28 +713,9 @@
             </a:endParaRPr>
           </a:p>
           <a:p>
-            <a:endParaRPr lang="en-US" altLang="zh-TW" sz="1200" b="1" i="0" kern="1200" dirty="0">
-              <a:solidFill>
-                <a:schemeClr val="tx1"/>
-              </a:solidFill>
-              <a:effectLst/>
-              <a:latin typeface="+mn-lt"/>
-              <a:ea typeface="+mn-ea"/>
-              <a:cs typeface="+mn-cs"/>
-            </a:endParaRPr>
-          </a:p>
-          <a:p>
             <a:r>
               <a:rPr lang="zh-TW" altLang="en-US" dirty="0"/>
-              <a:t>然而</a:t>
-            </a:r>
-            <a:r>
-              <a:rPr lang="en-US" altLang="zh-TW" dirty="0"/>
-              <a:t>,</a:t>
-            </a:r>
-            <a:r>
-              <a:rPr lang="zh-TW" altLang="en-US" dirty="0"/>
-              <a:t>家庭的經濟狀況成為了他追求夢想的</a:t>
+              <a:t>面臨著巨大的</a:t>
             </a:r>
             <a:r>
               <a:rPr lang="zh-TW" altLang="en-US" b="1" dirty="0"/>
@@ -747,15 +723,7 @@
             </a:r>
             <a:r>
               <a:rPr lang="zh-TW" altLang="en-US" dirty="0"/>
-              <a:t>。父母希望他選擇一個更穩定的職業</a:t>
-            </a:r>
-            <a:r>
-              <a:rPr lang="en-US" altLang="zh-TW" dirty="0"/>
-              <a:t>,</a:t>
-            </a:r>
-            <a:r>
-              <a:rPr lang="zh-TW" altLang="en-US" dirty="0"/>
-              <a:t>而不是冒險走藝術這條路。</a:t>
+              <a:t>：由於母親位於國外，需要資金出國，而金錢成了我最大的阻礙。</a:t>
             </a:r>
           </a:p>
         </p:txBody>
@@ -901,18 +869,6 @@
           <a:lstStyle/>
           <a:p>
             <a:r>
-              <a:rPr lang="zh-TW" altLang="en-US" sz="1200" b="1" i="0" kern="1200" dirty="0">
-                <a:solidFill>
-                  <a:schemeClr val="tx1"/>
-                </a:solidFill>
-                <a:effectLst/>
-                <a:latin typeface="+mn-lt"/>
-                <a:ea typeface="+mn-ea"/>
-                <a:cs typeface="+mn-cs"/>
-              </a:rPr>
-              <a:t>一個日本</a:t>
-            </a:r>
-            <a:r>
               <a:rPr lang="en-US" altLang="zh-TW" sz="1200" b="1" i="0" kern="1200" dirty="0">
                 <a:solidFill>
                   <a:schemeClr val="tx1"/>
@@ -922,20 +878,10 @@
                 <a:ea typeface="+mn-ea"/>
                 <a:cs typeface="+mn-cs"/>
               </a:rPr>
-              <a:t>2D</a:t>
-            </a:r>
-            <a:r>
-              <a:rPr lang="zh-TW" altLang="en-US" sz="1200" b="1" i="0" kern="1200" dirty="0">
-                <a:solidFill>
-                  <a:schemeClr val="tx1"/>
-                </a:solidFill>
-                <a:effectLst/>
-                <a:latin typeface="+mn-lt"/>
-                <a:ea typeface="+mn-ea"/>
-                <a:cs typeface="+mn-cs"/>
-              </a:rPr>
-              <a:t>卡通風格的角色，身高瘦長，穿著白色襯衫，打紅領帶，穿著深藍吊帶褲子，帶著雪人頭套，頭上有一個小小的三角形棕色帽子，眼睛是純藍色，黑色的三角形鼻子，紅色嘴巴，臉上留著汗水在夜晚中努力畫畫的樣子</a:t>
-            </a:r>
+              <a:t>A Japanese 2D animation character, tall and thin, wearing a white shirt, red tie, dark blue suspenders, snowman face, small triangular brown hat on head, pure blue eyes, black triangular nose, red mouth, archaeologist, looking like he is short of money, with some tattered coins and banknotes, studying ancient documents diligently</a:t>
+            </a:r>
+          </a:p>
+          <a:p>
             <a:endParaRPr lang="en-US" altLang="zh-TW" sz="1200" b="1" i="0" kern="1200" dirty="0">
               <a:solidFill>
                 <a:schemeClr val="tx1"/>
@@ -947,6 +893,10 @@
             </a:endParaRPr>
           </a:p>
           <a:p>
+            <a:r>
+              <a:rPr lang="zh-TW" altLang="en-US" dirty="0"/>
+              <a:t>我努力賺錢要買機票出國旅行尋親，最終我也存夠了錢可以購買所有的必需品。</a:t>
+            </a:r>
             <a:endParaRPr lang="en-US" altLang="zh-TW" sz="1200" b="1" i="0" kern="1200" dirty="0">
               <a:solidFill>
                 <a:schemeClr val="tx1"/>
@@ -956,52 +906,6 @@
               <a:ea typeface="+mn-ea"/>
               <a:cs typeface="+mn-cs"/>
             </a:endParaRPr>
-          </a:p>
-          <a:p>
-            <a:r>
-              <a:rPr lang="zh-TW" altLang="en-US" dirty="0"/>
-              <a:t>但我沒有放棄。日以繼夜地</a:t>
-            </a:r>
-            <a:r>
-              <a:rPr lang="zh-TW" altLang="en-US" b="1" dirty="0"/>
-              <a:t>努力</a:t>
-            </a:r>
-            <a:r>
-              <a:rPr lang="zh-TW" altLang="en-US" dirty="0"/>
-              <a:t>練習繪畫</a:t>
-            </a:r>
-            <a:r>
-              <a:rPr lang="en-US" altLang="zh-TW" dirty="0"/>
-              <a:t>,</a:t>
-            </a:r>
-            <a:r>
-              <a:rPr lang="zh-TW" altLang="en-US" dirty="0"/>
-              <a:t>同時打工賺錢支付美術課程的學費。經過兩年的堅持</a:t>
-            </a:r>
-            <a:r>
-              <a:rPr lang="en-US" altLang="zh-TW" dirty="0"/>
-              <a:t>,</a:t>
-            </a:r>
-            <a:r>
-              <a:rPr lang="zh-TW" altLang="en-US" dirty="0"/>
-              <a:t>畫技有了顯著的進步</a:t>
-            </a:r>
-            <a:r>
-              <a:rPr lang="en-US" altLang="zh-TW" dirty="0"/>
-              <a:t>,</a:t>
-            </a:r>
-            <a:r>
-              <a:rPr lang="zh-TW" altLang="en-US" dirty="0"/>
-              <a:t>這個</a:t>
-            </a:r>
-            <a:r>
-              <a:rPr lang="zh-TW" altLang="en-US" b="1" dirty="0"/>
-              <a:t>結果</a:t>
-            </a:r>
-            <a:r>
-              <a:rPr lang="zh-TW" altLang="en-US" dirty="0"/>
-              <a:t>讓我更加堅定了自己的選擇。</a:t>
-            </a:r>
           </a:p>
         </p:txBody>
       </p:sp>
@@ -1146,6 +1050,31 @@
           <a:lstStyle/>
           <a:p>
             <a:r>
+              <a:rPr lang="en-US" altLang="zh-TW" sz="1200" b="1" i="0" kern="1200" dirty="0">
+                <a:solidFill>
+                  <a:schemeClr val="tx1"/>
+                </a:solidFill>
+                <a:effectLst/>
+                <a:latin typeface="+mn-lt"/>
+                <a:ea typeface="+mn-ea"/>
+                <a:cs typeface="+mn-cs"/>
+              </a:rPr>
+              <a:t>A Japanese 2D animation character, tall and thin, wearing a white shirt, red tie, dark blue suspenders, face is a snowman, small triangular brown hat on head, eyes are pure blue, black triangular nose, red mouth with expression :(. On a beach with scattered open luggage, body covered in injuries.</a:t>
+            </a:r>
+          </a:p>
+          <a:p>
+            <a:endParaRPr lang="en-US" altLang="zh-TW" sz="1200" b="1" i="0" kern="1200" dirty="0">
+              <a:solidFill>
+                <a:schemeClr val="tx1"/>
+              </a:solidFill>
+              <a:effectLst/>
+              <a:latin typeface="+mn-lt"/>
+              <a:ea typeface="+mn-ea"/>
+              <a:cs typeface="+mn-cs"/>
+            </a:endParaRPr>
+          </a:p>
+          <a:p>
+            <a:r>
               <a:rPr lang="zh-TW" altLang="en-US" sz="1200" b="1" i="0" kern="1200" dirty="0">
                 <a:solidFill>
                   <a:schemeClr val="tx1"/>
@@ -1155,31 +1084,7 @@
                 <a:ea typeface="+mn-ea"/>
                 <a:cs typeface="+mn-cs"/>
               </a:rPr>
-              <a:t>一個日本</a:t>
-            </a:r>
-            <a:r>
-              <a:rPr lang="en-US" altLang="zh-TW" sz="1200" b="1" i="0" kern="1200" dirty="0">
-                <a:solidFill>
-                  <a:schemeClr val="tx1"/>
-                </a:solidFill>
-                <a:effectLst/>
-                <a:latin typeface="+mn-lt"/>
-                <a:ea typeface="+mn-ea"/>
-                <a:cs typeface="+mn-cs"/>
-              </a:rPr>
-              <a:t>2D</a:t>
-            </a:r>
-            <a:r>
-              <a:rPr lang="zh-TW" altLang="en-US" sz="1200" b="1" i="0" kern="1200" dirty="0">
-                <a:solidFill>
-                  <a:schemeClr val="tx1"/>
-                </a:solidFill>
-                <a:effectLst/>
-                <a:latin typeface="+mn-lt"/>
-                <a:ea typeface="+mn-ea"/>
-                <a:cs typeface="+mn-cs"/>
-              </a:rPr>
-              <a:t>動畫的角色，身高瘦長，穿著白色襯衫，打紅領帶，穿著深藍吊帶褲子，帶著雪人頭套，頭上有一個小小的三角形棕色帽子，眼睛是純藍色，黑色的三角形鼻子，紅色嘴巴，但是畫室失火了，臉上透漏著悲傷</a:t>
+              <a:t>好景不常，在飛往馬來西亞的路途中，飛機意外失事了，醒來後我發現我漂到了無人島上。</a:t>
             </a:r>
             <a:endParaRPr lang="en-US" altLang="zh-TW" sz="1200" b="1" i="0" kern="1200" dirty="0">
               <a:solidFill>
@@ -1190,47 +1095,6 @@
               <a:ea typeface="+mn-ea"/>
               <a:cs typeface="+mn-cs"/>
             </a:endParaRPr>
-          </a:p>
-          <a:p>
-            <a:endParaRPr lang="en-US" altLang="zh-TW" sz="1200" b="1" i="0" kern="1200" dirty="0">
-              <a:solidFill>
-                <a:schemeClr val="tx1"/>
-              </a:solidFill>
-              <a:effectLst/>
-              <a:latin typeface="+mn-lt"/>
-              <a:ea typeface="+mn-ea"/>
-              <a:cs typeface="+mn-cs"/>
-            </a:endParaRPr>
-          </a:p>
-          <a:p>
-            <a:r>
-              <a:rPr lang="zh-TW" altLang="en-US" dirty="0"/>
-              <a:t>準備報名參加一個重要的藝術比賽時</a:t>
-            </a:r>
-            <a:r>
-              <a:rPr lang="en-US" altLang="zh-TW" dirty="0"/>
-              <a:t>,</a:t>
-            </a:r>
-            <a:r>
-              <a:rPr lang="zh-TW" altLang="en-US" dirty="0"/>
-              <a:t>一個</a:t>
-            </a:r>
-            <a:r>
-              <a:rPr lang="zh-TW" altLang="en-US" b="1" dirty="0"/>
-              <a:t>意外</a:t>
-            </a:r>
-            <a:r>
-              <a:rPr lang="zh-TW" altLang="en-US" dirty="0"/>
-              <a:t>發生了 。我的畫室因為一場火災而被燒毀</a:t>
-            </a:r>
-            <a:r>
-              <a:rPr lang="en-US" altLang="zh-TW" dirty="0"/>
-              <a:t>,</a:t>
-            </a:r>
-            <a:r>
-              <a:rPr lang="zh-TW" altLang="en-US" dirty="0"/>
-              <a:t>所有的作品都化為灰燼。這個打擊幾乎讓我放棄了自己的夢想。</a:t>
-            </a:r>
           </a:p>
         </p:txBody>
       </p:sp>
@@ -1375,6 +1239,31 @@
           <a:lstStyle/>
           <a:p>
             <a:r>
+              <a:rPr lang="en-US" altLang="zh-TW" sz="1200" b="1" i="0" kern="1200" dirty="0">
+                <a:solidFill>
+                  <a:schemeClr val="tx1"/>
+                </a:solidFill>
+                <a:effectLst/>
+                <a:latin typeface="+mn-lt"/>
+                <a:ea typeface="+mn-ea"/>
+                <a:cs typeface="+mn-cs"/>
+              </a:rPr>
+              <a:t>A Japanese 2D animation character, tall and thin, wearing a white shirt, red tie, dark blue suspenders, face is a snowman, small triangular brown hat on head, eyes are pure blue, black triangular nose, red mouth with expression :(. On a beach with scattered open luggage, body covered in injuries, finding a white volleyball in a bag.</a:t>
+            </a:r>
+          </a:p>
+          <a:p>
+            <a:endParaRPr lang="en-US" altLang="zh-TW" sz="1200" b="1" i="0" kern="1200" dirty="0">
+              <a:solidFill>
+                <a:schemeClr val="tx1"/>
+              </a:solidFill>
+              <a:effectLst/>
+              <a:latin typeface="+mn-lt"/>
+              <a:ea typeface="+mn-ea"/>
+              <a:cs typeface="+mn-cs"/>
+            </a:endParaRPr>
+          </a:p>
+          <a:p>
+            <a:r>
               <a:rPr lang="zh-TW" altLang="en-US" sz="1200" b="1" i="0" kern="1200" dirty="0">
                 <a:solidFill>
                   <a:schemeClr val="tx1"/>
@@ -1384,7 +1273,7 @@
                 <a:ea typeface="+mn-ea"/>
                 <a:cs typeface="+mn-cs"/>
               </a:rPr>
-              <a:t>一位日本</a:t>
+              <a:t>我在與我一同漂流到無人島的行李中找到了一顆白色的排球，我決定給他一個叫做</a:t>
             </a:r>
             <a:r>
               <a:rPr lang="en-US" altLang="zh-TW" sz="1200" b="1" i="0" kern="1200" dirty="0">
@@ -1396,7 +1285,7 @@
                 <a:ea typeface="+mn-ea"/>
                 <a:cs typeface="+mn-cs"/>
               </a:rPr>
-              <a:t>2D</a:t>
+              <a:t>Wilson</a:t>
             </a:r>
             <a:r>
               <a:rPr lang="zh-TW" altLang="en-US" sz="1200" b="1" i="0" kern="1200" dirty="0">
@@ -1408,7 +1297,7 @@
                 <a:ea typeface="+mn-ea"/>
                 <a:cs typeface="+mn-cs"/>
               </a:rPr>
-              <a:t>動畫角色，身高瘦長，穿著白色襯衫，打紅領帶，穿著深藍吊帶褲子，帶著雪人頭套，頭上有一個小小的三角形棕色帽子，眼睛是純藍色，黑色的三角形鼻子，紅色嘴巴，雪人主角拿著自己的風景畫，面露開心，在他的面前有一位老人老師</a:t>
+              <a:t>的名字，把它當成我的朋友跟它說話。</a:t>
             </a:r>
             <a:endParaRPr lang="en-US" altLang="zh-TW" sz="1200" b="1" i="0" kern="1200" dirty="0">
               <a:solidFill>
@@ -1419,39 +1308,6 @@
               <a:ea typeface="+mn-ea"/>
               <a:cs typeface="+mn-cs"/>
             </a:endParaRPr>
-          </a:p>
-          <a:p>
-            <a:endParaRPr lang="en-US" altLang="zh-TW" sz="1200" b="1" i="0" kern="1200" dirty="0">
-              <a:solidFill>
-                <a:schemeClr val="tx1"/>
-              </a:solidFill>
-              <a:effectLst/>
-              <a:latin typeface="+mn-lt"/>
-              <a:ea typeface="+mn-ea"/>
-              <a:cs typeface="+mn-cs"/>
-            </a:endParaRPr>
-          </a:p>
-          <a:p>
-            <a:r>
-              <a:rPr lang="zh-TW" altLang="en-US" dirty="0"/>
-              <a:t>當地報紙報導了我的故事</a:t>
-            </a:r>
-            <a:r>
-              <a:rPr lang="en-US" altLang="zh-TW" dirty="0"/>
-              <a:t>,</a:t>
-            </a:r>
-            <a:r>
-              <a:rPr lang="zh-TW" altLang="en-US" dirty="0"/>
-              <a:t>引起了一位畫家的注意。這位畫家被我的故事所打動</a:t>
-            </a:r>
-            <a:r>
-              <a:rPr lang="en-US" altLang="zh-TW" dirty="0"/>
-              <a:t>,</a:t>
-            </a:r>
-            <a:r>
-              <a:rPr lang="zh-TW" altLang="en-US" dirty="0"/>
-              <a:t>主動提出要收我為徒。</a:t>
-            </a:r>
           </a:p>
         </p:txBody>
       </p:sp>
@@ -1596,6 +1452,31 @@
           <a:lstStyle/>
           <a:p>
             <a:r>
+              <a:rPr lang="en-US" altLang="zh-TW" sz="1200" b="1" i="0" kern="1200" dirty="0">
+                <a:solidFill>
+                  <a:schemeClr val="tx1"/>
+                </a:solidFill>
+                <a:effectLst/>
+                <a:latin typeface="+mn-lt"/>
+                <a:ea typeface="+mn-ea"/>
+                <a:cs typeface="+mn-cs"/>
+              </a:rPr>
+              <a:t>A Japanese 2D animation character, tall and thin, wearing a white shirt, red tie, dark blue suspenders, face is a snowman, small triangular brown hat on head, eyes are pure blue, black triangular nose, red mouth. On a beach, making a fire, with a white volleyball with a smiley face next to it.</a:t>
+            </a:r>
+          </a:p>
+          <a:p>
+            <a:endParaRPr lang="en-US" altLang="zh-TW" sz="1200" b="1" i="0" kern="1200" dirty="0">
+              <a:solidFill>
+                <a:schemeClr val="tx1"/>
+              </a:solidFill>
+              <a:effectLst/>
+              <a:latin typeface="+mn-lt"/>
+              <a:ea typeface="+mn-ea"/>
+              <a:cs typeface="+mn-cs"/>
+            </a:endParaRPr>
+          </a:p>
+          <a:p>
+            <a:r>
               <a:rPr lang="zh-TW" altLang="en-US" sz="1200" b="1" i="0" kern="1200" dirty="0">
                 <a:solidFill>
                   <a:schemeClr val="tx1"/>
@@ -1605,7 +1486,7 @@
                 <a:ea typeface="+mn-ea"/>
                 <a:cs typeface="+mn-cs"/>
               </a:rPr>
-              <a:t>一個動漫場景，一位日本</a:t>
+              <a:t>幸虧有</a:t>
             </a:r>
             <a:r>
               <a:rPr lang="en-US" altLang="zh-TW" sz="1200" b="1" i="0" kern="1200" dirty="0">
@@ -1617,7 +1498,7 @@
                 <a:ea typeface="+mn-ea"/>
                 <a:cs typeface="+mn-cs"/>
               </a:rPr>
-              <a:t>2D</a:t>
+              <a:t>Wilson</a:t>
             </a:r>
             <a:r>
               <a:rPr lang="zh-TW" altLang="en-US" sz="1200" b="1" i="0" kern="1200" dirty="0">
@@ -1629,7 +1510,7 @@
                 <a:ea typeface="+mn-ea"/>
                 <a:cs typeface="+mn-cs"/>
               </a:rPr>
-              <a:t>動畫角色參加了畫展，身高瘦長，穿著白色襯衫，打紅領帶，穿著深藍吊帶褲子，帶著雪人頭套，頭上有一個小小的三角形棕色帽子，眼睛是純藍色，黑色的三角形鼻子，紅色嘴巴，背後許多人喝采，背景也需要是動畫風格</a:t>
+              <a:t>當我的朋友，我才可以在這個無人島排解心情，以較為健康的心情專心求生。</a:t>
             </a:r>
             <a:endParaRPr lang="en-US" altLang="zh-TW" sz="1200" b="1" i="0" kern="1200" dirty="0">
               <a:solidFill>
@@ -1640,47 +1521,6 @@
               <a:ea typeface="+mn-ea"/>
               <a:cs typeface="+mn-cs"/>
             </a:endParaRPr>
-          </a:p>
-          <a:p>
-            <a:endParaRPr lang="en-US" altLang="zh-TW" sz="1200" b="1" i="0" kern="1200" dirty="0">
-              <a:solidFill>
-                <a:schemeClr val="tx1"/>
-              </a:solidFill>
-              <a:effectLst/>
-              <a:latin typeface="+mn-lt"/>
-              <a:ea typeface="+mn-ea"/>
-              <a:cs typeface="+mn-cs"/>
-            </a:endParaRPr>
-          </a:p>
-          <a:p>
-            <a:r>
-              <a:rPr lang="zh-TW" altLang="en-US" dirty="0"/>
-              <a:t>幾年後</a:t>
-            </a:r>
-            <a:r>
-              <a:rPr lang="en-US" altLang="zh-TW" dirty="0"/>
-              <a:t>,</a:t>
-            </a:r>
-            <a:r>
-              <a:rPr lang="zh-TW" altLang="en-US" dirty="0"/>
-              <a:t>成功舉辦了自己的首次個人畫展</a:t>
-            </a:r>
-            <a:r>
-              <a:rPr lang="en-US" altLang="zh-TW" dirty="0"/>
-              <a:t>,</a:t>
-            </a:r>
-            <a:r>
-              <a:rPr lang="zh-TW" altLang="en-US" dirty="0"/>
-              <a:t>獲得了評論界的一致好評。不僅實現了成為畫家的夢想</a:t>
-            </a:r>
-            <a:r>
-              <a:rPr lang="en-US" altLang="zh-TW" dirty="0"/>
-              <a:t>,</a:t>
-            </a:r>
-            <a:r>
-              <a:rPr lang="zh-TW" altLang="en-US" dirty="0"/>
-              <a:t>還在藝術界站穩了腳跟。</a:t>
-            </a:r>
           </a:p>
         </p:txBody>
       </p:sp>
@@ -1825,18 +1665,6 @@
           <a:lstStyle/>
           <a:p>
             <a:r>
-              <a:rPr lang="zh-TW" altLang="en-US" sz="1200" b="1" i="0" kern="1200" dirty="0">
-                <a:solidFill>
-                  <a:schemeClr val="tx1"/>
-                </a:solidFill>
-                <a:effectLst/>
-                <a:latin typeface="+mn-lt"/>
-                <a:ea typeface="+mn-ea"/>
-                <a:cs typeface="+mn-cs"/>
-              </a:rPr>
-              <a:t>一位日本</a:t>
-            </a:r>
-            <a:r>
               <a:rPr lang="en-US" altLang="zh-TW" sz="1200" b="1" i="0" kern="1200" dirty="0">
                 <a:solidFill>
                   <a:schemeClr val="tx1"/>
@@ -1846,20 +1674,10 @@
                 <a:ea typeface="+mn-ea"/>
                 <a:cs typeface="+mn-cs"/>
               </a:rPr>
-              <a:t>2D</a:t>
-            </a:r>
-            <a:r>
-              <a:rPr lang="zh-TW" altLang="en-US" sz="1200" b="1" i="0" kern="1200" dirty="0">
-                <a:solidFill>
-                  <a:schemeClr val="tx1"/>
-                </a:solidFill>
-                <a:effectLst/>
-                <a:latin typeface="+mn-lt"/>
-                <a:ea typeface="+mn-ea"/>
-                <a:cs typeface="+mn-cs"/>
-              </a:rPr>
-              <a:t>動畫角色，身高瘦長，穿著白色襯衫，打紅領帶，穿著深藍吊帶褲子，帶著雪人頭套，頭上有一個小小的三角形棕色帽子，眼睛是純藍色，黑色的三角形鼻子，紅色的笑容，站在畫室中</a:t>
-            </a:r>
+              <a:t>A Japanese 2D animation character, tall and thin, wearing a life jacket, red tie, dark blue suspenders, face is a snowman, small triangular brown hat on head, eyes are pure blue, black triangular nose, red mouth. Sitting at the bow of a boat.</a:t>
+            </a:r>
+          </a:p>
+          <a:p>
             <a:endParaRPr lang="en-US" altLang="zh-TW" sz="1200" b="1" i="0" kern="1200" dirty="0">
               <a:solidFill>
                 <a:schemeClr val="tx1"/>
@@ -1871,44 +1689,9 @@
             </a:endParaRPr>
           </a:p>
           <a:p>
-            <a:endParaRPr lang="en-US" altLang="zh-TW" sz="1200" b="1" i="0" kern="1200" dirty="0">
-              <a:solidFill>
-                <a:schemeClr val="tx1"/>
-              </a:solidFill>
-              <a:effectLst/>
-              <a:latin typeface="+mn-lt"/>
-              <a:ea typeface="+mn-ea"/>
-              <a:cs typeface="+mn-cs"/>
-            </a:endParaRPr>
-          </a:p>
-          <a:p>
             <a:r>
               <a:rPr lang="zh-TW" altLang="en-US" dirty="0"/>
-              <a:t>這段經歷讓我明白</a:t>
-            </a:r>
-            <a:r>
-              <a:rPr lang="en-US" altLang="zh-TW" dirty="0"/>
-              <a:t>,</a:t>
-            </a:r>
-            <a:r>
-              <a:rPr lang="zh-TW" altLang="en-US" dirty="0"/>
-              <a:t>追求夢想的道路上總會遇到挫折</a:t>
-            </a:r>
-            <a:r>
-              <a:rPr lang="en-US" altLang="zh-TW" dirty="0"/>
-              <a:t>,</a:t>
-            </a:r>
-            <a:r>
-              <a:rPr lang="zh-TW" altLang="en-US" dirty="0"/>
-              <a:t>但只要保持熱情和毅力</a:t>
-            </a:r>
-            <a:r>
-              <a:rPr lang="en-US" altLang="zh-TW" dirty="0"/>
-              <a:t>,</a:t>
-            </a:r>
-            <a:r>
-              <a:rPr lang="zh-TW" altLang="en-US" dirty="0"/>
-              <a:t>就一定能找到屬於自己的成功之路。</a:t>
+              <a:t>最後在不知道過了多久，終於在海邊看到了一個路過的漁船，將我從無人島救出。</a:t>
             </a:r>
           </a:p>
         </p:txBody>

--- a/hw02.pptx
+++ b/hw02.pptx
@@ -204,7 +204,7 @@
           <a:p>
             <a:fld id="{0DB47EDC-C5F2-42F4-B959-A96657EA9993}" type="datetimeFigureOut">
               <a:rPr lang="zh-TW" altLang="en-US" smtClean="0"/>
-              <a:t>2024/10/19</a:t>
+              <a:t>2024/10/20</a:t>
             </a:fld>
             <a:endParaRPr lang="zh-TW" altLang="en-US"/>
           </a:p>
@@ -1939,7 +1939,7 @@
           <a:p>
             <a:fld id="{C3C90D7E-32D6-4894-AE08-7BBB3E610FC9}" type="datetimeFigureOut">
               <a:rPr lang="zh-TW" altLang="en-US" smtClean="0"/>
-              <a:t>2024/10/19</a:t>
+              <a:t>2024/10/20</a:t>
             </a:fld>
             <a:endParaRPr lang="zh-TW" altLang="en-US"/>
           </a:p>
@@ -2137,7 +2137,7 @@
           <a:p>
             <a:fld id="{C3C90D7E-32D6-4894-AE08-7BBB3E610FC9}" type="datetimeFigureOut">
               <a:rPr lang="zh-TW" altLang="en-US" smtClean="0"/>
-              <a:t>2024/10/19</a:t>
+              <a:t>2024/10/20</a:t>
             </a:fld>
             <a:endParaRPr lang="zh-TW" altLang="en-US"/>
           </a:p>
@@ -2345,7 +2345,7 @@
           <a:p>
             <a:fld id="{C3C90D7E-32D6-4894-AE08-7BBB3E610FC9}" type="datetimeFigureOut">
               <a:rPr lang="zh-TW" altLang="en-US" smtClean="0"/>
-              <a:t>2024/10/19</a:t>
+              <a:t>2024/10/20</a:t>
             </a:fld>
             <a:endParaRPr lang="zh-TW" altLang="en-US"/>
           </a:p>
@@ -2543,7 +2543,7 @@
           <a:p>
             <a:fld id="{C3C90D7E-32D6-4894-AE08-7BBB3E610FC9}" type="datetimeFigureOut">
               <a:rPr lang="zh-TW" altLang="en-US" smtClean="0"/>
-              <a:t>2024/10/19</a:t>
+              <a:t>2024/10/20</a:t>
             </a:fld>
             <a:endParaRPr lang="zh-TW" altLang="en-US"/>
           </a:p>
@@ -2818,7 +2818,7 @@
           <a:p>
             <a:fld id="{C3C90D7E-32D6-4894-AE08-7BBB3E610FC9}" type="datetimeFigureOut">
               <a:rPr lang="zh-TW" altLang="en-US" smtClean="0"/>
-              <a:t>2024/10/19</a:t>
+              <a:t>2024/10/20</a:t>
             </a:fld>
             <a:endParaRPr lang="zh-TW" altLang="en-US"/>
           </a:p>
@@ -3083,7 +3083,7 @@
           <a:p>
             <a:fld id="{C3C90D7E-32D6-4894-AE08-7BBB3E610FC9}" type="datetimeFigureOut">
               <a:rPr lang="zh-TW" altLang="en-US" smtClean="0"/>
-              <a:t>2024/10/19</a:t>
+              <a:t>2024/10/20</a:t>
             </a:fld>
             <a:endParaRPr lang="zh-TW" altLang="en-US"/>
           </a:p>
@@ -3495,7 +3495,7 @@
           <a:p>
             <a:fld id="{C3C90D7E-32D6-4894-AE08-7BBB3E610FC9}" type="datetimeFigureOut">
               <a:rPr lang="zh-TW" altLang="en-US" smtClean="0"/>
-              <a:t>2024/10/19</a:t>
+              <a:t>2024/10/20</a:t>
             </a:fld>
             <a:endParaRPr lang="zh-TW" altLang="en-US"/>
           </a:p>
@@ -3636,7 +3636,7 @@
           <a:p>
             <a:fld id="{C3C90D7E-32D6-4894-AE08-7BBB3E610FC9}" type="datetimeFigureOut">
               <a:rPr lang="zh-TW" altLang="en-US" smtClean="0"/>
-              <a:t>2024/10/19</a:t>
+              <a:t>2024/10/20</a:t>
             </a:fld>
             <a:endParaRPr lang="zh-TW" altLang="en-US"/>
           </a:p>
@@ -3749,7 +3749,7 @@
           <a:p>
             <a:fld id="{C3C90D7E-32D6-4894-AE08-7BBB3E610FC9}" type="datetimeFigureOut">
               <a:rPr lang="zh-TW" altLang="en-US" smtClean="0"/>
-              <a:t>2024/10/19</a:t>
+              <a:t>2024/10/20</a:t>
             </a:fld>
             <a:endParaRPr lang="zh-TW" altLang="en-US"/>
           </a:p>
@@ -4060,7 +4060,7 @@
           <a:p>
             <a:fld id="{C3C90D7E-32D6-4894-AE08-7BBB3E610FC9}" type="datetimeFigureOut">
               <a:rPr lang="zh-TW" altLang="en-US" smtClean="0"/>
-              <a:t>2024/10/19</a:t>
+              <a:t>2024/10/20</a:t>
             </a:fld>
             <a:endParaRPr lang="zh-TW" altLang="en-US"/>
           </a:p>
@@ -4348,7 +4348,7 @@
           <a:p>
             <a:fld id="{C3C90D7E-32D6-4894-AE08-7BBB3E610FC9}" type="datetimeFigureOut">
               <a:rPr lang="zh-TW" altLang="en-US" smtClean="0"/>
-              <a:t>2024/10/19</a:t>
+              <a:t>2024/10/20</a:t>
             </a:fld>
             <a:endParaRPr lang="zh-TW" altLang="en-US"/>
           </a:p>
@@ -4589,7 +4589,7 @@
           <a:p>
             <a:fld id="{C3C90D7E-32D6-4894-AE08-7BBB3E610FC9}" type="datetimeFigureOut">
               <a:rPr lang="zh-TW" altLang="en-US" smtClean="0"/>
-              <a:t>2024/10/19</a:t>
+              <a:t>2024/10/20</a:t>
             </a:fld>
             <a:endParaRPr lang="zh-TW" altLang="en-US"/>
           </a:p>
@@ -5020,7 +5020,7 @@
       </p:grpSpPr>
       <p:sp>
         <p:nvSpPr>
-          <p:cNvPr id="2" name="標題 1">
+          <p:cNvPr id="2" name="!!標題 1">
             <a:extLst>
               <a:ext uri="{FF2B5EF4-FFF2-40B4-BE49-F238E27FC236}">
                 <a16:creationId xmlns:a16="http://schemas.microsoft.com/office/drawing/2014/main" id="{32532283-9F93-4E44-8138-32796965361F}"/>
@@ -5122,7 +5122,7 @@
       </p:grpSpPr>
       <p:sp>
         <p:nvSpPr>
-          <p:cNvPr id="2" name="標題 1">
+          <p:cNvPr id="2" name="!!標題 1">
             <a:extLst>
               <a:ext uri="{FF2B5EF4-FFF2-40B4-BE49-F238E27FC236}">
                 <a16:creationId xmlns:a16="http://schemas.microsoft.com/office/drawing/2014/main" id="{32532283-9F93-4E44-8138-32796965361F}"/>
@@ -5243,6 +5243,18 @@
   <p:clrMapOvr>
     <a:masterClrMapping/>
   </p:clrMapOvr>
+  <mc:AlternateContent xmlns:mc="http://schemas.openxmlformats.org/markup-compatibility/2006">
+    <mc:Choice xmlns:p159="http://schemas.microsoft.com/office/powerpoint/2015/09/main" Requires="p159">
+      <p:transition xmlns:p14="http://schemas.microsoft.com/office/powerpoint/2010/main" spd="slow" p14:dur="2000">
+        <p159:morph option="byObject"/>
+      </p:transition>
+    </mc:Choice>
+    <mc:Fallback>
+      <p:transition spd="slow">
+        <p:fade/>
+      </p:transition>
+    </mc:Fallback>
+  </mc:AlternateContent>
 </p:sld>
 </file>
 
@@ -5276,7 +5288,7 @@
       </p:grpSpPr>
       <p:sp>
         <p:nvSpPr>
-          <p:cNvPr id="2" name="標題 1">
+          <p:cNvPr id="2" name="!!標題 1">
             <a:extLst>
               <a:ext uri="{FF2B5EF4-FFF2-40B4-BE49-F238E27FC236}">
                 <a16:creationId xmlns:a16="http://schemas.microsoft.com/office/drawing/2014/main" id="{32532283-9F93-4E44-8138-32796965361F}"/>
@@ -5397,6 +5409,18 @@
   <p:clrMapOvr>
     <a:masterClrMapping/>
   </p:clrMapOvr>
+  <mc:AlternateContent xmlns:mc="http://schemas.openxmlformats.org/markup-compatibility/2006">
+    <mc:Choice xmlns:p159="http://schemas.microsoft.com/office/powerpoint/2015/09/main" Requires="p159">
+      <p:transition xmlns:p14="http://schemas.microsoft.com/office/powerpoint/2010/main" spd="slow" p14:dur="2000">
+        <p159:morph option="byObject"/>
+      </p:transition>
+    </mc:Choice>
+    <mc:Fallback>
+      <p:transition spd="slow">
+        <p:fade/>
+      </p:transition>
+    </mc:Fallback>
+  </mc:AlternateContent>
 </p:sld>
 </file>
 
@@ -5430,7 +5454,7 @@
       </p:grpSpPr>
       <p:sp>
         <p:nvSpPr>
-          <p:cNvPr id="2" name="標題 1">
+          <p:cNvPr id="2" name="!!標題 1">
             <a:extLst>
               <a:ext uri="{FF2B5EF4-FFF2-40B4-BE49-F238E27FC236}">
                 <a16:creationId xmlns:a16="http://schemas.microsoft.com/office/drawing/2014/main" id="{32532283-9F93-4E44-8138-32796965361F}"/>
@@ -5551,6 +5575,18 @@
   <p:clrMapOvr>
     <a:masterClrMapping/>
   </p:clrMapOvr>
+  <mc:AlternateContent xmlns:mc="http://schemas.openxmlformats.org/markup-compatibility/2006">
+    <mc:Choice xmlns:p159="http://schemas.microsoft.com/office/powerpoint/2015/09/main" Requires="p159">
+      <p:transition xmlns:p14="http://schemas.microsoft.com/office/powerpoint/2010/main" spd="slow" p14:dur="2000">
+        <p159:morph option="byObject"/>
+      </p:transition>
+    </mc:Choice>
+    <mc:Fallback>
+      <p:transition spd="slow">
+        <p:fade/>
+      </p:transition>
+    </mc:Fallback>
+  </mc:AlternateContent>
 </p:sld>
 </file>
 
@@ -5584,7 +5620,7 @@
       </p:grpSpPr>
       <p:sp>
         <p:nvSpPr>
-          <p:cNvPr id="2" name="標題 1">
+          <p:cNvPr id="2" name="!!標題 1">
             <a:extLst>
               <a:ext uri="{FF2B5EF4-FFF2-40B4-BE49-F238E27FC236}">
                 <a16:creationId xmlns:a16="http://schemas.microsoft.com/office/drawing/2014/main" id="{32532283-9F93-4E44-8138-32796965361F}"/>
@@ -5705,6 +5741,18 @@
   <p:clrMapOvr>
     <a:masterClrMapping/>
   </p:clrMapOvr>
+  <mc:AlternateContent xmlns:mc="http://schemas.openxmlformats.org/markup-compatibility/2006">
+    <mc:Choice xmlns:p159="http://schemas.microsoft.com/office/powerpoint/2015/09/main" Requires="p159">
+      <p:transition xmlns:p14="http://schemas.microsoft.com/office/powerpoint/2010/main" spd="slow" p14:dur="2000">
+        <p159:morph option="byObject"/>
+      </p:transition>
+    </mc:Choice>
+    <mc:Fallback>
+      <p:transition spd="slow">
+        <p:fade/>
+      </p:transition>
+    </mc:Fallback>
+  </mc:AlternateContent>
 </p:sld>
 </file>
 
@@ -5738,7 +5786,7 @@
       </p:grpSpPr>
       <p:sp>
         <p:nvSpPr>
-          <p:cNvPr id="2" name="標題 1">
+          <p:cNvPr id="2" name="!!標題 1">
             <a:extLst>
               <a:ext uri="{FF2B5EF4-FFF2-40B4-BE49-F238E27FC236}">
                 <a16:creationId xmlns:a16="http://schemas.microsoft.com/office/drawing/2014/main" id="{32532283-9F93-4E44-8138-32796965361F}"/>
@@ -5859,6 +5907,18 @@
   <p:clrMapOvr>
     <a:masterClrMapping/>
   </p:clrMapOvr>
+  <mc:AlternateContent xmlns:mc="http://schemas.openxmlformats.org/markup-compatibility/2006">
+    <mc:Choice xmlns:p159="http://schemas.microsoft.com/office/powerpoint/2015/09/main" Requires="p159">
+      <p:transition xmlns:p14="http://schemas.microsoft.com/office/powerpoint/2010/main" spd="slow" p14:dur="2000">
+        <p159:morph option="byObject"/>
+      </p:transition>
+    </mc:Choice>
+    <mc:Fallback>
+      <p:transition spd="slow">
+        <p:fade/>
+      </p:transition>
+    </mc:Fallback>
+  </mc:AlternateContent>
 </p:sld>
 </file>
 
@@ -5892,7 +5952,7 @@
       </p:grpSpPr>
       <p:sp>
         <p:nvSpPr>
-          <p:cNvPr id="2" name="標題 1">
+          <p:cNvPr id="2" name="!!標題 1">
             <a:extLst>
               <a:ext uri="{FF2B5EF4-FFF2-40B4-BE49-F238E27FC236}">
                 <a16:creationId xmlns:a16="http://schemas.microsoft.com/office/drawing/2014/main" id="{32532283-9F93-4E44-8138-32796965361F}"/>
@@ -6013,6 +6073,18 @@
   <p:clrMapOvr>
     <a:masterClrMapping/>
   </p:clrMapOvr>
+  <mc:AlternateContent xmlns:mc="http://schemas.openxmlformats.org/markup-compatibility/2006">
+    <mc:Choice xmlns:p159="http://schemas.microsoft.com/office/powerpoint/2015/09/main" Requires="p159">
+      <p:transition xmlns:p14="http://schemas.microsoft.com/office/powerpoint/2010/main" spd="slow" p14:dur="2000">
+        <p159:morph option="byObject"/>
+      </p:transition>
+    </mc:Choice>
+    <mc:Fallback>
+      <p:transition spd="slow">
+        <p:fade/>
+      </p:transition>
+    </mc:Fallback>
+  </mc:AlternateContent>
 </p:sld>
 </file>
 
@@ -6046,7 +6118,7 @@
       </p:grpSpPr>
       <p:sp>
         <p:nvSpPr>
-          <p:cNvPr id="2" name="標題 1">
+          <p:cNvPr id="2" name="!!標題 1">
             <a:extLst>
               <a:ext uri="{FF2B5EF4-FFF2-40B4-BE49-F238E27FC236}">
                 <a16:creationId xmlns:a16="http://schemas.microsoft.com/office/drawing/2014/main" id="{32532283-9F93-4E44-8138-32796965361F}"/>
@@ -6167,6 +6239,18 @@
   <p:clrMapOvr>
     <a:masterClrMapping/>
   </p:clrMapOvr>
+  <mc:AlternateContent xmlns:mc="http://schemas.openxmlformats.org/markup-compatibility/2006">
+    <mc:Choice xmlns:p159="http://schemas.microsoft.com/office/powerpoint/2015/09/main" Requires="p159">
+      <p:transition xmlns:p14="http://schemas.microsoft.com/office/powerpoint/2010/main" spd="slow" p14:dur="2000">
+        <p159:morph option="byObject"/>
+      </p:transition>
+    </mc:Choice>
+    <mc:Fallback>
+      <p:transition spd="slow">
+        <p:fade/>
+      </p:transition>
+    </mc:Fallback>
+  </mc:AlternateContent>
 </p:sld>
 </file>
 
